--- a/notebooks/05_Autoencoder_and_variations.pptx
+++ b/notebooks/05_Autoencoder_and_variations.pptx
@@ -10,7 +10,13 @@
     <p:sldId id="261" r:id="rId4"/>
     <p:sldId id="258" r:id="rId5"/>
     <p:sldId id="260" r:id="rId6"/>
-    <p:sldId id="259" r:id="rId7"/>
+    <p:sldId id="262" r:id="rId7"/>
+    <p:sldId id="263" r:id="rId8"/>
+    <p:sldId id="259" r:id="rId9"/>
+    <p:sldId id="264" r:id="rId10"/>
+    <p:sldId id="265" r:id="rId11"/>
+    <p:sldId id="266" r:id="rId12"/>
+    <p:sldId id="267" r:id="rId13"/>
   </p:sldIdLst>
   <p:sldSz cx="12192000" cy="6858000"/>
   <p:notesSz cx="6858000" cy="9144000"/>
@@ -109,6 +115,11 @@
       </a:defRPr>
     </a:lvl9pPr>
   </p:defaultTextStyle>
+  <p:extLst>
+    <p:ext uri="{EFAFB233-063F-42B5-8137-9DF3F51BA10A}">
+      <p15:sldGuideLst xmlns:p15="http://schemas.microsoft.com/office/powerpoint/2012/main"/>
+    </p:ext>
+  </p:extLst>
 </p:presentation>
 </file>
 
@@ -3766,6 +3777,615 @@
 </p:sld>
 </file>
 
+<file path=ppt/slides/slide10.xml><?xml version="1.0" encoding="utf-8"?>
+<p:sld xmlns:a="http://schemas.openxmlformats.org/drawingml/2006/main" xmlns:r="http://schemas.openxmlformats.org/officeDocument/2006/relationships" xmlns:p="http://schemas.openxmlformats.org/presentationml/2006/main">
+  <p:cSld>
+    <p:spTree>
+      <p:nvGrpSpPr>
+        <p:cNvPr id="1" name=""/>
+        <p:cNvGrpSpPr/>
+        <p:nvPr/>
+      </p:nvGrpSpPr>
+      <p:grpSpPr>
+        <a:xfrm>
+          <a:off x="0" y="0"/>
+          <a:ext cx="0" cy="0"/>
+          <a:chOff x="0" y="0"/>
+          <a:chExt cx="0" cy="0"/>
+        </a:xfrm>
+      </p:grpSpPr>
+      <p:sp>
+        <p:nvSpPr>
+          <p:cNvPr id="2" name="Title 1">
+            <a:extLst>
+              <a:ext uri="{FF2B5EF4-FFF2-40B4-BE49-F238E27FC236}">
+                <a16:creationId xmlns:a16="http://schemas.microsoft.com/office/drawing/2014/main" id="{6403339E-D406-4255-8C97-963924A3B9E5}"/>
+              </a:ext>
+            </a:extLst>
+          </p:cNvPr>
+          <p:cNvSpPr>
+            <a:spLocks noGrp="1"/>
+          </p:cNvSpPr>
+          <p:nvPr>
+            <p:ph type="title"/>
+          </p:nvPr>
+        </p:nvSpPr>
+        <p:spPr/>
+        <p:txBody>
+          <a:bodyPr/>
+          <a:lstStyle/>
+          <a:p>
+            <a:r>
+              <a:rPr lang="en-US" b="1" dirty="0">
+                <a:effectLst>
+                  <a:outerShdw blurRad="38100" dist="38100" dir="2700000" algn="tl">
+                    <a:srgbClr val="000000">
+                      <a:alpha val="43137"/>
+                    </a:srgbClr>
+                  </a:outerShdw>
+                </a:effectLst>
+              </a:rPr>
+              <a:t>Denoising Autoencoders</a:t>
+            </a:r>
+          </a:p>
+        </p:txBody>
+      </p:sp>
+      <p:sp>
+        <p:nvSpPr>
+          <p:cNvPr id="3" name="Content Placeholder 2">
+            <a:extLst>
+              <a:ext uri="{FF2B5EF4-FFF2-40B4-BE49-F238E27FC236}">
+                <a16:creationId xmlns:a16="http://schemas.microsoft.com/office/drawing/2014/main" id="{929AEA03-EDA5-4417-94AB-18CBF9058EF7}"/>
+              </a:ext>
+            </a:extLst>
+          </p:cNvPr>
+          <p:cNvSpPr>
+            <a:spLocks noGrp="1"/>
+          </p:cNvSpPr>
+          <p:nvPr>
+            <p:ph idx="1"/>
+          </p:nvPr>
+        </p:nvSpPr>
+        <p:spPr/>
+        <p:txBody>
+          <a:bodyPr/>
+          <a:lstStyle/>
+          <a:p>
+            <a:r>
+              <a:rPr lang="en-US" dirty="0"/>
+              <a:t>Add white noise to the raw input data.</a:t>
+            </a:r>
+          </a:p>
+          <a:p>
+            <a:r>
+              <a:rPr lang="en-US" dirty="0"/>
+              <a:t>Train the autoencoder to reconstruct the raw data (without noise).</a:t>
+            </a:r>
+          </a:p>
+        </p:txBody>
+      </p:sp>
+      <p:pic>
+        <p:nvPicPr>
+          <p:cNvPr id="6" name="Picture 6" descr="Applied Deep Learning - Part 3: Autoencoders | by Arden Dertat | Towards  Data Science">
+            <a:extLst>
+              <a:ext uri="{FF2B5EF4-FFF2-40B4-BE49-F238E27FC236}">
+                <a16:creationId xmlns:a16="http://schemas.microsoft.com/office/drawing/2014/main" id="{C887AB02-76FA-4D16-A78B-5A1B714E8F00}"/>
+              </a:ext>
+            </a:extLst>
+          </p:cNvPr>
+          <p:cNvPicPr>
+            <a:picLocks noChangeAspect="1" noChangeArrowheads="1"/>
+          </p:cNvPicPr>
+          <p:nvPr/>
+        </p:nvPicPr>
+        <p:blipFill>
+          <a:blip r:embed="rId2">
+            <a:extLst>
+              <a:ext uri="{28A0092B-C50C-407E-A947-70E740481C1C}">
+                <a14:useLocalDpi xmlns:a14="http://schemas.microsoft.com/office/drawing/2010/main" val="0"/>
+              </a:ext>
+            </a:extLst>
+          </a:blip>
+          <a:srcRect/>
+          <a:stretch>
+            <a:fillRect/>
+          </a:stretch>
+        </p:blipFill>
+        <p:spPr bwMode="auto">
+          <a:xfrm>
+            <a:off x="1061545" y="3184008"/>
+            <a:ext cx="10292255" cy="2145561"/>
+          </a:xfrm>
+          <a:prstGeom prst="rect">
+            <a:avLst/>
+          </a:prstGeom>
+          <a:noFill/>
+          <a:extLst>
+            <a:ext uri="{909E8E84-426E-40DD-AFC4-6F175D3DCCD1}">
+              <a14:hiddenFill xmlns:a14="http://schemas.microsoft.com/office/drawing/2010/main">
+                <a:solidFill>
+                  <a:srgbClr val="FFFFFF"/>
+                </a:solidFill>
+              </a14:hiddenFill>
+            </a:ext>
+          </a:extLst>
+        </p:spPr>
+      </p:pic>
+    </p:spTree>
+    <p:extLst>
+      <p:ext uri="{BB962C8B-B14F-4D97-AF65-F5344CB8AC3E}">
+        <p14:creationId xmlns:p14="http://schemas.microsoft.com/office/powerpoint/2010/main" val="1881142251"/>
+      </p:ext>
+    </p:extLst>
+  </p:cSld>
+  <p:clrMapOvr>
+    <a:masterClrMapping/>
+  </p:clrMapOvr>
+</p:sld>
+</file>
+
+<file path=ppt/slides/slide11.xml><?xml version="1.0" encoding="utf-8"?>
+<p:sld xmlns:a="http://schemas.openxmlformats.org/drawingml/2006/main" xmlns:r="http://schemas.openxmlformats.org/officeDocument/2006/relationships" xmlns:p="http://schemas.openxmlformats.org/presentationml/2006/main">
+  <p:cSld>
+    <p:spTree>
+      <p:nvGrpSpPr>
+        <p:cNvPr id="1" name=""/>
+        <p:cNvGrpSpPr/>
+        <p:nvPr/>
+      </p:nvGrpSpPr>
+      <p:grpSpPr>
+        <a:xfrm>
+          <a:off x="0" y="0"/>
+          <a:ext cx="0" cy="0"/>
+          <a:chOff x="0" y="0"/>
+          <a:chExt cx="0" cy="0"/>
+        </a:xfrm>
+      </p:grpSpPr>
+      <p:sp>
+        <p:nvSpPr>
+          <p:cNvPr id="2" name="Title 1">
+            <a:extLst>
+              <a:ext uri="{FF2B5EF4-FFF2-40B4-BE49-F238E27FC236}">
+                <a16:creationId xmlns:a16="http://schemas.microsoft.com/office/drawing/2014/main" id="{6403339E-D406-4255-8C97-963924A3B9E5}"/>
+              </a:ext>
+            </a:extLst>
+          </p:cNvPr>
+          <p:cNvSpPr>
+            <a:spLocks noGrp="1"/>
+          </p:cNvSpPr>
+          <p:nvPr>
+            <p:ph type="title"/>
+          </p:nvPr>
+        </p:nvSpPr>
+        <p:spPr/>
+        <p:txBody>
+          <a:bodyPr/>
+          <a:lstStyle/>
+          <a:p>
+            <a:r>
+              <a:rPr lang="en-US" b="1" dirty="0">
+                <a:effectLst>
+                  <a:outerShdw blurRad="38100" dist="38100" dir="2700000" algn="tl">
+                    <a:srgbClr val="000000">
+                      <a:alpha val="43137"/>
+                    </a:srgbClr>
+                  </a:outerShdw>
+                </a:effectLst>
+              </a:rPr>
+              <a:t>What Denoising Autoencoders can Do?</a:t>
+            </a:r>
+          </a:p>
+        </p:txBody>
+      </p:sp>
+      <p:sp>
+        <p:nvSpPr>
+          <p:cNvPr id="3" name="Content Placeholder 2">
+            <a:extLst>
+              <a:ext uri="{FF2B5EF4-FFF2-40B4-BE49-F238E27FC236}">
+                <a16:creationId xmlns:a16="http://schemas.microsoft.com/office/drawing/2014/main" id="{929AEA03-EDA5-4417-94AB-18CBF9058EF7}"/>
+              </a:ext>
+            </a:extLst>
+          </p:cNvPr>
+          <p:cNvSpPr>
+            <a:spLocks noGrp="1"/>
+          </p:cNvSpPr>
+          <p:nvPr>
+            <p:ph idx="1"/>
+          </p:nvPr>
+        </p:nvSpPr>
+        <p:spPr/>
+        <p:txBody>
+          <a:bodyPr/>
+          <a:lstStyle/>
+          <a:p>
+            <a:r>
+              <a:rPr lang="en-US" dirty="0"/>
+              <a:t>To fix and </a:t>
+            </a:r>
+            <a:r>
+              <a:rPr lang="en-US" dirty="0" err="1"/>
+              <a:t>enhence</a:t>
+            </a:r>
+            <a:r>
+              <a:rPr lang="en-US" dirty="0"/>
+              <a:t> photos</a:t>
+            </a:r>
+          </a:p>
+        </p:txBody>
+      </p:sp>
+      <p:pic>
+        <p:nvPicPr>
+          <p:cNvPr id="4098" name="Picture 2" descr="A Deep Convolutional Denoising Autoencoder for Image Classification | by  Søren L Kristiansen | Medium">
+            <a:extLst>
+              <a:ext uri="{FF2B5EF4-FFF2-40B4-BE49-F238E27FC236}">
+                <a16:creationId xmlns:a16="http://schemas.microsoft.com/office/drawing/2014/main" id="{1F5251EB-C5DF-4113-B3B7-735B6102CC5A}"/>
+              </a:ext>
+            </a:extLst>
+          </p:cNvPr>
+          <p:cNvPicPr>
+            <a:picLocks noChangeAspect="1" noChangeArrowheads="1"/>
+          </p:cNvPicPr>
+          <p:nvPr/>
+        </p:nvPicPr>
+        <p:blipFill>
+          <a:blip r:embed="rId2">
+            <a:extLst>
+              <a:ext uri="{28A0092B-C50C-407E-A947-70E740481C1C}">
+                <a14:useLocalDpi xmlns:a14="http://schemas.microsoft.com/office/drawing/2010/main" val="0"/>
+              </a:ext>
+            </a:extLst>
+          </a:blip>
+          <a:srcRect/>
+          <a:stretch>
+            <a:fillRect/>
+          </a:stretch>
+        </p:blipFill>
+        <p:spPr bwMode="auto">
+          <a:xfrm>
+            <a:off x="5123793" y="1825625"/>
+            <a:ext cx="6708228" cy="2457063"/>
+          </a:xfrm>
+          <a:prstGeom prst="rect">
+            <a:avLst/>
+          </a:prstGeom>
+          <a:noFill/>
+          <a:extLst>
+            <a:ext uri="{909E8E84-426E-40DD-AFC4-6F175D3DCCD1}">
+              <a14:hiddenFill xmlns:a14="http://schemas.microsoft.com/office/drawing/2010/main">
+                <a:solidFill>
+                  <a:srgbClr val="FFFFFF"/>
+                </a:solidFill>
+              </a14:hiddenFill>
+            </a:ext>
+          </a:extLst>
+        </p:spPr>
+      </p:pic>
+      <p:pic>
+        <p:nvPicPr>
+          <p:cNvPr id="4100" name="Picture 4" descr="A Deep Convolutional Denoising Autoencoder for Image Classification | by  Søren L Kristiansen | Medium">
+            <a:extLst>
+              <a:ext uri="{FF2B5EF4-FFF2-40B4-BE49-F238E27FC236}">
+                <a16:creationId xmlns:a16="http://schemas.microsoft.com/office/drawing/2014/main" id="{E65FD9E2-85B2-4364-8B4E-3AD340CC3EE0}"/>
+              </a:ext>
+            </a:extLst>
+          </p:cNvPr>
+          <p:cNvPicPr>
+            <a:picLocks noChangeAspect="1" noChangeArrowheads="1"/>
+          </p:cNvPicPr>
+          <p:nvPr/>
+        </p:nvPicPr>
+        <p:blipFill>
+          <a:blip r:embed="rId3">
+            <a:extLst>
+              <a:ext uri="{28A0092B-C50C-407E-A947-70E740481C1C}">
+                <a14:useLocalDpi xmlns:a14="http://schemas.microsoft.com/office/drawing/2010/main" val="0"/>
+              </a:ext>
+            </a:extLst>
+          </a:blip>
+          <a:srcRect/>
+          <a:stretch>
+            <a:fillRect/>
+          </a:stretch>
+        </p:blipFill>
+        <p:spPr bwMode="auto">
+          <a:xfrm>
+            <a:off x="5185229" y="3854837"/>
+            <a:ext cx="6646792" cy="2457063"/>
+          </a:xfrm>
+          <a:prstGeom prst="rect">
+            <a:avLst/>
+          </a:prstGeom>
+          <a:noFill/>
+          <a:extLst>
+            <a:ext uri="{909E8E84-426E-40DD-AFC4-6F175D3DCCD1}">
+              <a14:hiddenFill xmlns:a14="http://schemas.microsoft.com/office/drawing/2010/main">
+                <a:solidFill>
+                  <a:srgbClr val="FFFFFF"/>
+                </a:solidFill>
+              </a14:hiddenFill>
+            </a:ext>
+          </a:extLst>
+        </p:spPr>
+      </p:pic>
+      <p:pic>
+        <p:nvPicPr>
+          <p:cNvPr id="4102" name="Picture 6" descr="denoising-autoencoder Archives - WebSystemer.no">
+            <a:extLst>
+              <a:ext uri="{FF2B5EF4-FFF2-40B4-BE49-F238E27FC236}">
+                <a16:creationId xmlns:a16="http://schemas.microsoft.com/office/drawing/2014/main" id="{6BA2B653-368D-4A2B-A7AC-8483A8D2FE7E}"/>
+              </a:ext>
+            </a:extLst>
+          </p:cNvPr>
+          <p:cNvPicPr>
+            <a:picLocks noChangeAspect="1" noChangeArrowheads="1"/>
+          </p:cNvPicPr>
+          <p:nvPr/>
+        </p:nvPicPr>
+        <p:blipFill>
+          <a:blip r:embed="rId4">
+            <a:extLst>
+              <a:ext uri="{28A0092B-C50C-407E-A947-70E740481C1C}">
+                <a14:useLocalDpi xmlns:a14="http://schemas.microsoft.com/office/drawing/2010/main" val="0"/>
+              </a:ext>
+            </a:extLst>
+          </a:blip>
+          <a:srcRect/>
+          <a:stretch>
+            <a:fillRect/>
+          </a:stretch>
+        </p:blipFill>
+        <p:spPr bwMode="auto">
+          <a:xfrm>
+            <a:off x="958352" y="3563007"/>
+            <a:ext cx="4045290" cy="2244397"/>
+          </a:xfrm>
+          <a:prstGeom prst="rect">
+            <a:avLst/>
+          </a:prstGeom>
+          <a:noFill/>
+          <a:extLst>
+            <a:ext uri="{909E8E84-426E-40DD-AFC4-6F175D3DCCD1}">
+              <a14:hiddenFill xmlns:a14="http://schemas.microsoft.com/office/drawing/2010/main">
+                <a:solidFill>
+                  <a:srgbClr val="FFFFFF"/>
+                </a:solidFill>
+              </a14:hiddenFill>
+            </a:ext>
+          </a:extLst>
+        </p:spPr>
+      </p:pic>
+    </p:spTree>
+    <p:extLst>
+      <p:ext uri="{BB962C8B-B14F-4D97-AF65-F5344CB8AC3E}">
+        <p14:creationId xmlns:p14="http://schemas.microsoft.com/office/powerpoint/2010/main" val="1788858197"/>
+      </p:ext>
+    </p:extLst>
+  </p:cSld>
+  <p:clrMapOvr>
+    <a:masterClrMapping/>
+  </p:clrMapOvr>
+</p:sld>
+</file>
+
+<file path=ppt/slides/slide12.xml><?xml version="1.0" encoding="utf-8"?>
+<p:sld xmlns:a="http://schemas.openxmlformats.org/drawingml/2006/main" xmlns:r="http://schemas.openxmlformats.org/officeDocument/2006/relationships" xmlns:p="http://schemas.openxmlformats.org/presentationml/2006/main">
+  <p:cSld>
+    <p:spTree>
+      <p:nvGrpSpPr>
+        <p:cNvPr id="1" name=""/>
+        <p:cNvGrpSpPr/>
+        <p:nvPr/>
+      </p:nvGrpSpPr>
+      <p:grpSpPr>
+        <a:xfrm>
+          <a:off x="0" y="0"/>
+          <a:ext cx="0" cy="0"/>
+          <a:chOff x="0" y="0"/>
+          <a:chExt cx="0" cy="0"/>
+        </a:xfrm>
+      </p:grpSpPr>
+      <p:sp>
+        <p:nvSpPr>
+          <p:cNvPr id="2" name="Title 1">
+            <a:extLst>
+              <a:ext uri="{FF2B5EF4-FFF2-40B4-BE49-F238E27FC236}">
+                <a16:creationId xmlns:a16="http://schemas.microsoft.com/office/drawing/2014/main" id="{6403339E-D406-4255-8C97-963924A3B9E5}"/>
+              </a:ext>
+            </a:extLst>
+          </p:cNvPr>
+          <p:cNvSpPr>
+            <a:spLocks noGrp="1"/>
+          </p:cNvSpPr>
+          <p:nvPr>
+            <p:ph type="title"/>
+          </p:nvPr>
+        </p:nvSpPr>
+        <p:spPr/>
+        <p:txBody>
+          <a:bodyPr/>
+          <a:lstStyle/>
+          <a:p>
+            <a:r>
+              <a:rPr lang="en-US" b="1" dirty="0">
+                <a:effectLst>
+                  <a:outerShdw blurRad="38100" dist="38100" dir="2700000" algn="tl">
+                    <a:srgbClr val="000000">
+                      <a:alpha val="43137"/>
+                    </a:srgbClr>
+                  </a:outerShdw>
+                </a:effectLst>
+              </a:rPr>
+              <a:t>What Denoising Autoencoders can Do?</a:t>
+            </a:r>
+          </a:p>
+        </p:txBody>
+      </p:sp>
+      <p:sp>
+        <p:nvSpPr>
+          <p:cNvPr id="3" name="Content Placeholder 2">
+            <a:extLst>
+              <a:ext uri="{FF2B5EF4-FFF2-40B4-BE49-F238E27FC236}">
+                <a16:creationId xmlns:a16="http://schemas.microsoft.com/office/drawing/2014/main" id="{929AEA03-EDA5-4417-94AB-18CBF9058EF7}"/>
+              </a:ext>
+            </a:extLst>
+          </p:cNvPr>
+          <p:cNvSpPr>
+            <a:spLocks noGrp="1"/>
+          </p:cNvSpPr>
+          <p:nvPr>
+            <p:ph idx="1"/>
+          </p:nvPr>
+        </p:nvSpPr>
+        <p:spPr>
+          <a:xfrm>
+            <a:off x="838200" y="1825625"/>
+            <a:ext cx="4656504" cy="4351338"/>
+          </a:xfrm>
+        </p:spPr>
+        <p:txBody>
+          <a:bodyPr/>
+          <a:lstStyle/>
+          <a:p>
+            <a:r>
+              <a:rPr lang="en-US" dirty="0"/>
+              <a:t>To enhance medical imaging</a:t>
+            </a:r>
+          </a:p>
+          <a:p>
+            <a:pPr lvl="1"/>
+            <a:r>
+              <a:rPr lang="en-US" dirty="0"/>
+              <a:t>To remove unwanted background</a:t>
+            </a:r>
+          </a:p>
+          <a:p>
+            <a:pPr lvl="1"/>
+            <a:endParaRPr lang="en-US" dirty="0"/>
+          </a:p>
+          <a:p>
+            <a:pPr lvl="1"/>
+            <a:endParaRPr lang="en-US" dirty="0"/>
+          </a:p>
+          <a:p>
+            <a:pPr lvl="1"/>
+            <a:endParaRPr lang="en-US" dirty="0"/>
+          </a:p>
+          <a:p>
+            <a:pPr lvl="1"/>
+            <a:r>
+              <a:rPr lang="en-US" dirty="0"/>
+              <a:t>To perform automatic segmentation</a:t>
+            </a:r>
+          </a:p>
+        </p:txBody>
+      </p:sp>
+      <p:pic>
+        <p:nvPicPr>
+          <p:cNvPr id="5124" name="Picture 4" descr="Deep Convolutional Neural Network and 3D Deformable Approach for Tissue  Segmentation in Musculoskeletal Magnetic Resonance Imagi">
+            <a:extLst>
+              <a:ext uri="{FF2B5EF4-FFF2-40B4-BE49-F238E27FC236}">
+                <a16:creationId xmlns:a16="http://schemas.microsoft.com/office/drawing/2014/main" id="{6423F3BE-9925-42A5-9192-788159E50454}"/>
+              </a:ext>
+            </a:extLst>
+          </p:cNvPr>
+          <p:cNvPicPr>
+            <a:picLocks noChangeAspect="1" noChangeArrowheads="1"/>
+          </p:cNvPicPr>
+          <p:nvPr/>
+        </p:nvPicPr>
+        <p:blipFill>
+          <a:blip r:embed="rId2">
+            <a:extLst>
+              <a:ext uri="{28A0092B-C50C-407E-A947-70E740481C1C}">
+                <a14:useLocalDpi xmlns:a14="http://schemas.microsoft.com/office/drawing/2010/main" val="0"/>
+              </a:ext>
+            </a:extLst>
+          </a:blip>
+          <a:srcRect/>
+          <a:stretch>
+            <a:fillRect/>
+          </a:stretch>
+        </p:blipFill>
+        <p:spPr bwMode="auto">
+          <a:xfrm>
+            <a:off x="5494704" y="4213625"/>
+            <a:ext cx="6358338" cy="2002876"/>
+          </a:xfrm>
+          <a:prstGeom prst="rect">
+            <a:avLst/>
+          </a:prstGeom>
+          <a:noFill/>
+          <a:extLst>
+            <a:ext uri="{909E8E84-426E-40DD-AFC4-6F175D3DCCD1}">
+              <a14:hiddenFill xmlns:a14="http://schemas.microsoft.com/office/drawing/2010/main">
+                <a:solidFill>
+                  <a:srgbClr val="FFFFFF"/>
+                </a:solidFill>
+              </a14:hiddenFill>
+            </a:ext>
+          </a:extLst>
+        </p:spPr>
+      </p:pic>
+      <p:pic>
+        <p:nvPicPr>
+          <p:cNvPr id="5122" name="Picture 2" descr="Denoising Autoencoders Definition | DeepAI">
+            <a:extLst>
+              <a:ext uri="{FF2B5EF4-FFF2-40B4-BE49-F238E27FC236}">
+                <a16:creationId xmlns:a16="http://schemas.microsoft.com/office/drawing/2014/main" id="{157EACA4-697E-45B4-B28C-DB85E27E0162}"/>
+              </a:ext>
+            </a:extLst>
+          </p:cNvPr>
+          <p:cNvPicPr>
+            <a:picLocks noChangeAspect="1" noChangeArrowheads="1"/>
+          </p:cNvPicPr>
+          <p:nvPr/>
+        </p:nvPicPr>
+        <p:blipFill>
+          <a:blip r:embed="rId3">
+            <a:extLst>
+              <a:ext uri="{28A0092B-C50C-407E-A947-70E740481C1C}">
+                <a14:useLocalDpi xmlns:a14="http://schemas.microsoft.com/office/drawing/2010/main" val="0"/>
+              </a:ext>
+            </a:extLst>
+          </a:blip>
+          <a:srcRect/>
+          <a:stretch>
+            <a:fillRect/>
+          </a:stretch>
+        </p:blipFill>
+        <p:spPr bwMode="auto">
+          <a:xfrm>
+            <a:off x="5494704" y="2028891"/>
+            <a:ext cx="6358338" cy="2070600"/>
+          </a:xfrm>
+          <a:prstGeom prst="rect">
+            <a:avLst/>
+          </a:prstGeom>
+          <a:noFill/>
+          <a:extLst>
+            <a:ext uri="{909E8E84-426E-40DD-AFC4-6F175D3DCCD1}">
+              <a14:hiddenFill xmlns:a14="http://schemas.microsoft.com/office/drawing/2010/main">
+                <a:solidFill>
+                  <a:srgbClr val="FFFFFF"/>
+                </a:solidFill>
+              </a14:hiddenFill>
+            </a:ext>
+          </a:extLst>
+        </p:spPr>
+      </p:pic>
+    </p:spTree>
+    <p:extLst>
+      <p:ext uri="{BB962C8B-B14F-4D97-AF65-F5344CB8AC3E}">
+        <p14:creationId xmlns:p14="http://schemas.microsoft.com/office/powerpoint/2010/main" val="2650201986"/>
+      </p:ext>
+    </p:extLst>
+  </p:cSld>
+  <p:clrMapOvr>
+    <a:masterClrMapping/>
+  </p:clrMapOvr>
+</p:sld>
+</file>
+
 <file path=ppt/slides/slide2.xml><?xml version="1.0" encoding="utf-8"?>
 <p:sld xmlns:a="http://schemas.openxmlformats.org/drawingml/2006/main" xmlns:r="http://schemas.openxmlformats.org/officeDocument/2006/relationships" xmlns:p="http://schemas.openxmlformats.org/presentationml/2006/main">
   <p:cSld>
@@ -4630,12 +5250,59 @@
           <a:chExt cx="0" cy="0"/>
         </a:xfrm>
       </p:grpSpPr>
+      <p:pic>
+        <p:nvPicPr>
+          <p:cNvPr id="1026" name="Picture 2">
+            <a:extLst>
+              <a:ext uri="{FF2B5EF4-FFF2-40B4-BE49-F238E27FC236}">
+                <a16:creationId xmlns:a16="http://schemas.microsoft.com/office/drawing/2014/main" id="{B683D04D-B146-4A03-A5E7-E0C3B718FA04}"/>
+              </a:ext>
+            </a:extLst>
+          </p:cNvPr>
+          <p:cNvPicPr>
+            <a:picLocks noChangeAspect="1" noChangeArrowheads="1"/>
+          </p:cNvPicPr>
+          <p:nvPr/>
+        </p:nvPicPr>
+        <p:blipFill>
+          <a:blip r:embed="rId2">
+            <a:extLst>
+              <a:ext uri="{28A0092B-C50C-407E-A947-70E740481C1C}">
+                <a14:useLocalDpi xmlns:a14="http://schemas.microsoft.com/office/drawing/2010/main" val="0"/>
+              </a:ext>
+            </a:extLst>
+          </a:blip>
+          <a:srcRect/>
+          <a:stretch>
+            <a:fillRect/>
+          </a:stretch>
+        </p:blipFill>
+        <p:spPr bwMode="auto">
+          <a:xfrm>
+            <a:off x="3316635" y="1690688"/>
+            <a:ext cx="5558730" cy="2927598"/>
+          </a:xfrm>
+          <a:prstGeom prst="rect">
+            <a:avLst/>
+          </a:prstGeom>
+          <a:noFill/>
+          <a:extLst>
+            <a:ext uri="{909E8E84-426E-40DD-AFC4-6F175D3DCCD1}">
+              <a14:hiddenFill xmlns:a14="http://schemas.microsoft.com/office/drawing/2010/main">
+                <a:solidFill>
+                  <a:srgbClr val="FFFFFF"/>
+                </a:solidFill>
+              </a14:hiddenFill>
+            </a:ext>
+          </a:extLst>
+        </p:spPr>
+      </p:pic>
       <p:sp>
         <p:nvSpPr>
           <p:cNvPr id="2" name="Title 1">
             <a:extLst>
               <a:ext uri="{FF2B5EF4-FFF2-40B4-BE49-F238E27FC236}">
-                <a16:creationId xmlns:a16="http://schemas.microsoft.com/office/drawing/2014/main" id="{6403339E-D406-4255-8C97-963924A3B9E5}"/>
+                <a16:creationId xmlns:a16="http://schemas.microsoft.com/office/drawing/2014/main" id="{24421A84-797E-498A-AD68-B87D4C9D27A0}"/>
               </a:ext>
             </a:extLst>
           </p:cNvPr>
@@ -4663,6 +5330,7 @@
               </a:rPr>
               <a:t>Why Autoencoder?</a:t>
             </a:r>
+            <a:endParaRPr lang="en-US" b="1" dirty="0"/>
           </a:p>
         </p:txBody>
       </p:sp>
@@ -4671,7 +5339,7 @@
           <p:cNvPr id="3" name="Content Placeholder 2">
             <a:extLst>
               <a:ext uri="{FF2B5EF4-FFF2-40B4-BE49-F238E27FC236}">
-                <a16:creationId xmlns:a16="http://schemas.microsoft.com/office/drawing/2014/main" id="{165ECDB3-04DE-461D-AF19-9A643F33B711}"/>
+                <a16:creationId xmlns:a16="http://schemas.microsoft.com/office/drawing/2014/main" id="{A46C9994-8A10-42B3-97DC-30F7EE9B9485}"/>
               </a:ext>
             </a:extLst>
           </p:cNvPr>
@@ -4682,19 +5350,669 @@
             <p:ph idx="1"/>
           </p:nvPr>
         </p:nvSpPr>
+        <p:spPr>
+          <a:xfrm>
+            <a:off x="838200" y="4746813"/>
+            <a:ext cx="10515600" cy="1430150"/>
+          </a:xfrm>
+        </p:spPr>
+        <p:txBody>
+          <a:bodyPr/>
+          <a:lstStyle/>
+          <a:p>
+            <a:r>
+              <a:rPr lang="en-US" i="0" dirty="0">
+                <a:solidFill>
+                  <a:srgbClr val="051E50"/>
+                </a:solidFill>
+                <a:effectLst/>
+                <a:latin typeface="proxima-nova"/>
+              </a:rPr>
+              <a:t>It’s a </a:t>
+            </a:r>
+            <a:r>
+              <a:rPr lang="en-US" b="1" i="0" dirty="0">
+                <a:solidFill>
+                  <a:srgbClr val="051E50"/>
+                </a:solidFill>
+                <a:effectLst/>
+                <a:latin typeface="proxima-nova"/>
+              </a:rPr>
+              <a:t>self-supervised</a:t>
+            </a:r>
+            <a:r>
+              <a:rPr lang="en-US" i="0" dirty="0">
+                <a:solidFill>
+                  <a:srgbClr val="051E50"/>
+                </a:solidFill>
+                <a:effectLst/>
+                <a:latin typeface="proxima-nova"/>
+              </a:rPr>
+              <a:t> learning algorithm.</a:t>
+            </a:r>
+          </a:p>
+          <a:p>
+            <a:r>
+              <a:rPr lang="en-US" i="0" dirty="0">
+                <a:solidFill>
+                  <a:srgbClr val="051E50"/>
+                </a:solidFill>
+                <a:effectLst/>
+                <a:latin typeface="proxima-nova"/>
+              </a:rPr>
+              <a:t>The true value of the autoencoder lives inside that </a:t>
+            </a:r>
+            <a:r>
+              <a:rPr lang="en-US" b="1" i="0" dirty="0">
+                <a:solidFill>
+                  <a:srgbClr val="051E50"/>
+                </a:solidFill>
+                <a:effectLst/>
+                <a:latin typeface="proxima-nova"/>
+              </a:rPr>
+              <a:t>latent-space representation</a:t>
+            </a:r>
+            <a:r>
+              <a:rPr lang="en-US" i="0" dirty="0">
+                <a:solidFill>
+                  <a:srgbClr val="051E50"/>
+                </a:solidFill>
+                <a:effectLst/>
+                <a:latin typeface="proxima-nova"/>
+              </a:rPr>
+              <a:t>.</a:t>
+            </a:r>
+            <a:endParaRPr lang="en-US" dirty="0"/>
+          </a:p>
+        </p:txBody>
+      </p:sp>
+    </p:spTree>
+    <p:extLst>
+      <p:ext uri="{BB962C8B-B14F-4D97-AF65-F5344CB8AC3E}">
+        <p14:creationId xmlns:p14="http://schemas.microsoft.com/office/powerpoint/2010/main" val="2281132920"/>
+      </p:ext>
+    </p:extLst>
+  </p:cSld>
+  <p:clrMapOvr>
+    <a:masterClrMapping/>
+  </p:clrMapOvr>
+</p:sld>
+</file>
+
+<file path=ppt/slides/slide7.xml><?xml version="1.0" encoding="utf-8"?>
+<p:sld xmlns:a="http://schemas.openxmlformats.org/drawingml/2006/main" xmlns:r="http://schemas.openxmlformats.org/officeDocument/2006/relationships" xmlns:p="http://schemas.openxmlformats.org/presentationml/2006/main">
+  <p:cSld>
+    <p:spTree>
+      <p:nvGrpSpPr>
+        <p:cNvPr id="1" name=""/>
+        <p:cNvGrpSpPr/>
+        <p:nvPr/>
+      </p:nvGrpSpPr>
+      <p:grpSpPr>
+        <a:xfrm>
+          <a:off x="0" y="0"/>
+          <a:ext cx="0" cy="0"/>
+          <a:chOff x="0" y="0"/>
+          <a:chExt cx="0" cy="0"/>
+        </a:xfrm>
+      </p:grpSpPr>
+      <p:sp>
+        <p:nvSpPr>
+          <p:cNvPr id="2" name="Title 1">
+            <a:extLst>
+              <a:ext uri="{FF2B5EF4-FFF2-40B4-BE49-F238E27FC236}">
+                <a16:creationId xmlns:a16="http://schemas.microsoft.com/office/drawing/2014/main" id="{24421A84-797E-498A-AD68-B87D4C9D27A0}"/>
+              </a:ext>
+            </a:extLst>
+          </p:cNvPr>
+          <p:cNvSpPr>
+            <a:spLocks noGrp="1"/>
+          </p:cNvSpPr>
+          <p:nvPr>
+            <p:ph type="title"/>
+          </p:nvPr>
+        </p:nvSpPr>
         <p:spPr/>
         <p:txBody>
           <a:bodyPr/>
           <a:lstStyle/>
           <a:p>
-            <a:endParaRPr lang="en-US"/>
-          </a:p>
-        </p:txBody>
-      </p:sp>
+            <a:r>
+              <a:rPr lang="en-US" b="1" dirty="0">
+                <a:effectLst>
+                  <a:outerShdw blurRad="38100" dist="38100" dir="2700000" algn="tl">
+                    <a:srgbClr val="000000">
+                      <a:alpha val="43137"/>
+                    </a:srgbClr>
+                  </a:outerShdw>
+                </a:effectLst>
+              </a:rPr>
+              <a:t>What is Representation?</a:t>
+            </a:r>
+            <a:endParaRPr lang="en-US" b="1" dirty="0"/>
+          </a:p>
+        </p:txBody>
+      </p:sp>
+      <p:pic>
+        <p:nvPicPr>
+          <p:cNvPr id="2050" name="Picture 2" descr="jigsaw puzzle task">
+            <a:extLst>
+              <a:ext uri="{FF2B5EF4-FFF2-40B4-BE49-F238E27FC236}">
+                <a16:creationId xmlns:a16="http://schemas.microsoft.com/office/drawing/2014/main" id="{B0CCA7D3-FCA8-4931-9C8F-36F9428BE62B}"/>
+              </a:ext>
+            </a:extLst>
+          </p:cNvPr>
+          <p:cNvPicPr>
+            <a:picLocks noGrp="1" noChangeAspect="1" noChangeArrowheads="1"/>
+          </p:cNvPicPr>
+          <p:nvPr>
+            <p:ph idx="1"/>
+          </p:nvPr>
+        </p:nvPicPr>
+        <p:blipFill>
+          <a:blip r:embed="rId2">
+            <a:extLst>
+              <a:ext uri="{28A0092B-C50C-407E-A947-70E740481C1C}">
+                <a14:useLocalDpi xmlns:a14="http://schemas.microsoft.com/office/drawing/2010/main" val="0"/>
+              </a:ext>
+            </a:extLst>
+          </a:blip>
+          <a:srcRect/>
+          <a:stretch>
+            <a:fillRect/>
+          </a:stretch>
+        </p:blipFill>
+        <p:spPr bwMode="auto">
+          <a:xfrm>
+            <a:off x="838201" y="1690688"/>
+            <a:ext cx="10515599" cy="4674409"/>
+          </a:xfrm>
+          <a:prstGeom prst="rect">
+            <a:avLst/>
+          </a:prstGeom>
+          <a:noFill/>
+          <a:extLst>
+            <a:ext uri="{909E8E84-426E-40DD-AFC4-6F175D3DCCD1}">
+              <a14:hiddenFill xmlns:a14="http://schemas.microsoft.com/office/drawing/2010/main">
+                <a:solidFill>
+                  <a:srgbClr val="FFFFFF"/>
+                </a:solidFill>
+              </a14:hiddenFill>
+            </a:ext>
+          </a:extLst>
+        </p:spPr>
+      </p:pic>
+    </p:spTree>
+    <p:extLst>
+      <p:ext uri="{BB962C8B-B14F-4D97-AF65-F5344CB8AC3E}">
+        <p14:creationId xmlns:p14="http://schemas.microsoft.com/office/powerpoint/2010/main" val="4079456064"/>
+      </p:ext>
+    </p:extLst>
+  </p:cSld>
+  <p:clrMapOvr>
+    <a:masterClrMapping/>
+  </p:clrMapOvr>
+</p:sld>
+</file>
+
+<file path=ppt/slides/slide8.xml><?xml version="1.0" encoding="utf-8"?>
+<p:sld xmlns:a="http://schemas.openxmlformats.org/drawingml/2006/main" xmlns:r="http://schemas.openxmlformats.org/officeDocument/2006/relationships" xmlns:p="http://schemas.openxmlformats.org/presentationml/2006/main">
+  <p:cSld>
+    <p:spTree>
+      <p:nvGrpSpPr>
+        <p:cNvPr id="1" name=""/>
+        <p:cNvGrpSpPr/>
+        <p:nvPr/>
+      </p:nvGrpSpPr>
+      <p:grpSpPr>
+        <a:xfrm>
+          <a:off x="0" y="0"/>
+          <a:ext cx="0" cy="0"/>
+          <a:chOff x="0" y="0"/>
+          <a:chExt cx="0" cy="0"/>
+        </a:xfrm>
+      </p:grpSpPr>
+      <p:sp>
+        <p:nvSpPr>
+          <p:cNvPr id="2" name="Title 1">
+            <a:extLst>
+              <a:ext uri="{FF2B5EF4-FFF2-40B4-BE49-F238E27FC236}">
+                <a16:creationId xmlns:a16="http://schemas.microsoft.com/office/drawing/2014/main" id="{6403339E-D406-4255-8C97-963924A3B9E5}"/>
+              </a:ext>
+            </a:extLst>
+          </p:cNvPr>
+          <p:cNvSpPr>
+            <a:spLocks noGrp="1"/>
+          </p:cNvSpPr>
+          <p:nvPr>
+            <p:ph type="title"/>
+          </p:nvPr>
+        </p:nvSpPr>
+        <p:spPr/>
+        <p:txBody>
+          <a:bodyPr/>
+          <a:lstStyle/>
+          <a:p>
+            <a:r>
+              <a:rPr lang="en-US" b="1" dirty="0">
+                <a:effectLst>
+                  <a:outerShdw blurRad="38100" dist="38100" dir="2700000" algn="tl">
+                    <a:srgbClr val="000000">
+                      <a:alpha val="43137"/>
+                    </a:srgbClr>
+                  </a:outerShdw>
+                </a:effectLst>
+              </a:rPr>
+              <a:t>From Simple to Deep Autoencoders</a:t>
+            </a:r>
+          </a:p>
+        </p:txBody>
+      </p:sp>
+      <p:pic>
+        <p:nvPicPr>
+          <p:cNvPr id="5" name="Picture 12">
+            <a:extLst>
+              <a:ext uri="{FF2B5EF4-FFF2-40B4-BE49-F238E27FC236}">
+                <a16:creationId xmlns:a16="http://schemas.microsoft.com/office/drawing/2014/main" id="{8C9484DB-5155-4ED0-BB80-7AA2904283B4}"/>
+              </a:ext>
+            </a:extLst>
+          </p:cNvPr>
+          <p:cNvPicPr>
+            <a:picLocks noGrp="1" noChangeAspect="1" noChangeArrowheads="1"/>
+          </p:cNvPicPr>
+          <p:nvPr>
+            <p:ph idx="1"/>
+          </p:nvPr>
+        </p:nvPicPr>
+        <p:blipFill>
+          <a:blip r:embed="rId2">
+            <a:extLst>
+              <a:ext uri="{28A0092B-C50C-407E-A947-70E740481C1C}">
+                <a14:useLocalDpi xmlns:a14="http://schemas.microsoft.com/office/drawing/2010/main" val="0"/>
+              </a:ext>
+            </a:extLst>
+          </a:blip>
+          <a:srcRect/>
+          <a:stretch>
+            <a:fillRect/>
+          </a:stretch>
+        </p:blipFill>
+        <p:spPr bwMode="auto">
+          <a:xfrm>
+            <a:off x="1207688" y="1825625"/>
+            <a:ext cx="9776623" cy="4351338"/>
+          </a:xfrm>
+          <a:prstGeom prst="rect">
+            <a:avLst/>
+          </a:prstGeom>
+          <a:noFill/>
+          <a:extLst>
+            <a:ext uri="{909E8E84-426E-40DD-AFC4-6F175D3DCCD1}">
+              <a14:hiddenFill xmlns:a14="http://schemas.microsoft.com/office/drawing/2010/main">
+                <a:solidFill>
+                  <a:srgbClr val="FFFFFF"/>
+                </a:solidFill>
+              </a14:hiddenFill>
+            </a:ext>
+          </a:extLst>
+        </p:spPr>
+      </p:pic>
     </p:spTree>
     <p:extLst>
       <p:ext uri="{BB962C8B-B14F-4D97-AF65-F5344CB8AC3E}">
         <p14:creationId xmlns:p14="http://schemas.microsoft.com/office/powerpoint/2010/main" val="1706083525"/>
+      </p:ext>
+    </p:extLst>
+  </p:cSld>
+  <p:clrMapOvr>
+    <a:masterClrMapping/>
+  </p:clrMapOvr>
+</p:sld>
+</file>
+
+<file path=ppt/slides/slide9.xml><?xml version="1.0" encoding="utf-8"?>
+<p:sld xmlns:a="http://schemas.openxmlformats.org/drawingml/2006/main" xmlns:r="http://schemas.openxmlformats.org/officeDocument/2006/relationships" xmlns:p="http://schemas.openxmlformats.org/presentationml/2006/main">
+  <p:cSld>
+    <p:spTree>
+      <p:nvGrpSpPr>
+        <p:cNvPr id="1" name=""/>
+        <p:cNvGrpSpPr/>
+        <p:nvPr/>
+      </p:nvGrpSpPr>
+      <p:grpSpPr>
+        <a:xfrm>
+          <a:off x="0" y="0"/>
+          <a:ext cx="0" cy="0"/>
+          <a:chOff x="0" y="0"/>
+          <a:chExt cx="0" cy="0"/>
+        </a:xfrm>
+      </p:grpSpPr>
+      <p:sp>
+        <p:nvSpPr>
+          <p:cNvPr id="2" name="Title 1">
+            <a:extLst>
+              <a:ext uri="{FF2B5EF4-FFF2-40B4-BE49-F238E27FC236}">
+                <a16:creationId xmlns:a16="http://schemas.microsoft.com/office/drawing/2014/main" id="{6403339E-D406-4255-8C97-963924A3B9E5}"/>
+              </a:ext>
+            </a:extLst>
+          </p:cNvPr>
+          <p:cNvSpPr>
+            <a:spLocks noGrp="1"/>
+          </p:cNvSpPr>
+          <p:nvPr>
+            <p:ph type="title"/>
+          </p:nvPr>
+        </p:nvSpPr>
+        <p:spPr/>
+        <p:txBody>
+          <a:bodyPr/>
+          <a:lstStyle/>
+          <a:p>
+            <a:r>
+              <a:rPr lang="en-US" b="1" dirty="0">
+                <a:effectLst>
+                  <a:outerShdw blurRad="38100" dist="38100" dir="2700000" algn="tl">
+                    <a:srgbClr val="000000">
+                      <a:alpha val="43137"/>
+                    </a:srgbClr>
+                  </a:outerShdw>
+                </a:effectLst>
+              </a:rPr>
+              <a:t>Convolutional and Sequential Autoencoders</a:t>
+            </a:r>
+          </a:p>
+        </p:txBody>
+      </p:sp>
+      <p:pic>
+        <p:nvPicPr>
+          <p:cNvPr id="5" name="Picture 12">
+            <a:extLst>
+              <a:ext uri="{FF2B5EF4-FFF2-40B4-BE49-F238E27FC236}">
+                <a16:creationId xmlns:a16="http://schemas.microsoft.com/office/drawing/2014/main" id="{8C9484DB-5155-4ED0-BB80-7AA2904283B4}"/>
+              </a:ext>
+            </a:extLst>
+          </p:cNvPr>
+          <p:cNvPicPr>
+            <a:picLocks noGrp="1" noChangeAspect="1" noChangeArrowheads="1"/>
+          </p:cNvPicPr>
+          <p:nvPr>
+            <p:ph idx="1"/>
+          </p:nvPr>
+        </p:nvPicPr>
+        <p:blipFill rotWithShape="1">
+          <a:blip r:embed="rId2">
+            <a:extLst>
+              <a:ext uri="{28A0092B-C50C-407E-A947-70E740481C1C}">
+                <a14:useLocalDpi xmlns:a14="http://schemas.microsoft.com/office/drawing/2010/main" val="0"/>
+              </a:ext>
+            </a:extLst>
+          </a:blip>
+          <a:srcRect r="42894" b="26068"/>
+          <a:stretch/>
+        </p:blipFill>
+        <p:spPr bwMode="auto">
+          <a:xfrm>
+            <a:off x="8621782" y="1690688"/>
+            <a:ext cx="3016806" cy="1738312"/>
+          </a:xfrm>
+          <a:prstGeom prst="rect">
+            <a:avLst/>
+          </a:prstGeom>
+          <a:noFill/>
+          <a:extLst>
+            <a:ext uri="{909E8E84-426E-40DD-AFC4-6F175D3DCCD1}">
+              <a14:hiddenFill xmlns:a14="http://schemas.microsoft.com/office/drawing/2010/main">
+                <a:solidFill>
+                  <a:srgbClr val="FFFFFF"/>
+                </a:solidFill>
+              </a14:hiddenFill>
+            </a:ext>
+          </a:extLst>
+        </p:spPr>
+      </p:pic>
+      <p:pic>
+        <p:nvPicPr>
+          <p:cNvPr id="3074" name="Picture 2" descr="Understanding of Convolutional Neural Network (CNN) — Deep Learning | by  Prabhu | Medium">
+            <a:extLst>
+              <a:ext uri="{FF2B5EF4-FFF2-40B4-BE49-F238E27FC236}">
+                <a16:creationId xmlns:a16="http://schemas.microsoft.com/office/drawing/2014/main" id="{498D1CD5-C011-40BE-98FC-5F2DA8DA1735}"/>
+              </a:ext>
+            </a:extLst>
+          </p:cNvPr>
+          <p:cNvPicPr>
+            <a:picLocks noChangeAspect="1" noChangeArrowheads="1"/>
+          </p:cNvPicPr>
+          <p:nvPr/>
+        </p:nvPicPr>
+        <p:blipFill>
+          <a:blip r:embed="rId3">
+            <a:extLst>
+              <a:ext uri="{28A0092B-C50C-407E-A947-70E740481C1C}">
+                <a14:useLocalDpi xmlns:a14="http://schemas.microsoft.com/office/drawing/2010/main" val="0"/>
+              </a:ext>
+            </a:extLst>
+          </a:blip>
+          <a:srcRect/>
+          <a:stretch>
+            <a:fillRect/>
+          </a:stretch>
+        </p:blipFill>
+        <p:spPr bwMode="auto">
+          <a:xfrm>
+            <a:off x="838200" y="1543653"/>
+            <a:ext cx="7274817" cy="2457786"/>
+          </a:xfrm>
+          <a:prstGeom prst="rect">
+            <a:avLst/>
+          </a:prstGeom>
+          <a:noFill/>
+          <a:extLst>
+            <a:ext uri="{909E8E84-426E-40DD-AFC4-6F175D3DCCD1}">
+              <a14:hiddenFill xmlns:a14="http://schemas.microsoft.com/office/drawing/2010/main">
+                <a:solidFill>
+                  <a:srgbClr val="FFFFFF"/>
+                </a:solidFill>
+              </a14:hiddenFill>
+            </a:ext>
+          </a:extLst>
+        </p:spPr>
+      </p:pic>
+      <p:pic>
+        <p:nvPicPr>
+          <p:cNvPr id="3076" name="Picture 4" descr="Deep Learning: Recurrent Neural Networks | by Pedro Torres Perez |  deeplearningbrasilia | Medium">
+            <a:extLst>
+              <a:ext uri="{FF2B5EF4-FFF2-40B4-BE49-F238E27FC236}">
+                <a16:creationId xmlns:a16="http://schemas.microsoft.com/office/drawing/2014/main" id="{3A6CD4DD-3872-43FA-A68E-3BD2E5244528}"/>
+              </a:ext>
+            </a:extLst>
+          </p:cNvPr>
+          <p:cNvPicPr>
+            <a:picLocks noChangeAspect="1" noChangeArrowheads="1"/>
+          </p:cNvPicPr>
+          <p:nvPr/>
+        </p:nvPicPr>
+        <p:blipFill>
+          <a:blip r:embed="rId4">
+            <a:extLst>
+              <a:ext uri="{28A0092B-C50C-407E-A947-70E740481C1C}">
+                <a14:useLocalDpi xmlns:a14="http://schemas.microsoft.com/office/drawing/2010/main" val="0"/>
+              </a:ext>
+            </a:extLst>
+          </a:blip>
+          <a:srcRect/>
+          <a:stretch>
+            <a:fillRect/>
+          </a:stretch>
+        </p:blipFill>
+        <p:spPr bwMode="auto">
+          <a:xfrm>
+            <a:off x="838200" y="4001438"/>
+            <a:ext cx="7783582" cy="2310751"/>
+          </a:xfrm>
+          <a:prstGeom prst="rect">
+            <a:avLst/>
+          </a:prstGeom>
+          <a:noFill/>
+          <a:extLst>
+            <a:ext uri="{909E8E84-426E-40DD-AFC4-6F175D3DCCD1}">
+              <a14:hiddenFill xmlns:a14="http://schemas.microsoft.com/office/drawing/2010/main">
+                <a:solidFill>
+                  <a:srgbClr val="FFFFFF"/>
+                </a:solidFill>
+              </a14:hiddenFill>
+            </a:ext>
+          </a:extLst>
+        </p:spPr>
+      </p:pic>
+      <p:cxnSp>
+        <p:nvCxnSpPr>
+          <p:cNvPr id="4" name="Connector: Elbow 3">
+            <a:extLst>
+              <a:ext uri="{FF2B5EF4-FFF2-40B4-BE49-F238E27FC236}">
+                <a16:creationId xmlns:a16="http://schemas.microsoft.com/office/drawing/2014/main" id="{A0AD987D-7B02-459B-8316-46521B2C2AC2}"/>
+              </a:ext>
+            </a:extLst>
+          </p:cNvPr>
+          <p:cNvCxnSpPr>
+            <a:stCxn id="3074" idx="3"/>
+            <a:endCxn id="5" idx="2"/>
+          </p:cNvCxnSpPr>
+          <p:nvPr/>
+        </p:nvCxnSpPr>
+        <p:spPr>
+          <a:xfrm>
+            <a:off x="8113017" y="2772546"/>
+            <a:ext cx="2017168" cy="656454"/>
+          </a:xfrm>
+          <a:prstGeom prst="bentConnector4">
+            <a:avLst>
+              <a:gd name="adj1" fmla="val 12611"/>
+              <a:gd name="adj2" fmla="val 210615"/>
+            </a:avLst>
+          </a:prstGeom>
+          <a:ln w="76200">
+            <a:solidFill>
+              <a:srgbClr val="FFC000"/>
+            </a:solidFill>
+            <a:tailEnd type="triangle"/>
+          </a:ln>
+        </p:spPr>
+        <p:style>
+          <a:lnRef idx="1">
+            <a:schemeClr val="accent1"/>
+          </a:lnRef>
+          <a:fillRef idx="0">
+            <a:schemeClr val="accent1"/>
+          </a:fillRef>
+          <a:effectRef idx="0">
+            <a:schemeClr val="accent1"/>
+          </a:effectRef>
+          <a:fontRef idx="minor">
+            <a:schemeClr val="tx1"/>
+          </a:fontRef>
+        </p:style>
+      </p:cxnSp>
+      <p:cxnSp>
+        <p:nvCxnSpPr>
+          <p:cNvPr id="8" name="Connector: Elbow 7">
+            <a:extLst>
+              <a:ext uri="{FF2B5EF4-FFF2-40B4-BE49-F238E27FC236}">
+                <a16:creationId xmlns:a16="http://schemas.microsoft.com/office/drawing/2014/main" id="{17E22C1E-D23B-4AD3-9255-4B97F7938A66}"/>
+              </a:ext>
+            </a:extLst>
+          </p:cNvPr>
+          <p:cNvCxnSpPr>
+            <a:stCxn id="3076" idx="3"/>
+            <a:endCxn id="5" idx="2"/>
+          </p:cNvCxnSpPr>
+          <p:nvPr/>
+        </p:nvCxnSpPr>
+        <p:spPr>
+          <a:xfrm flipV="1">
+            <a:off x="8621782" y="3429000"/>
+            <a:ext cx="1508403" cy="1727814"/>
+          </a:xfrm>
+          <a:prstGeom prst="bentConnector2">
+            <a:avLst/>
+          </a:prstGeom>
+          <a:ln w="76200">
+            <a:solidFill>
+              <a:srgbClr val="FFC000"/>
+            </a:solidFill>
+            <a:tailEnd type="triangle"/>
+          </a:ln>
+        </p:spPr>
+        <p:style>
+          <a:lnRef idx="1">
+            <a:schemeClr val="accent1"/>
+          </a:lnRef>
+          <a:fillRef idx="0">
+            <a:schemeClr val="accent1"/>
+          </a:fillRef>
+          <a:effectRef idx="0">
+            <a:schemeClr val="accent1"/>
+          </a:effectRef>
+          <a:fontRef idx="minor">
+            <a:schemeClr val="tx1"/>
+          </a:fontRef>
+        </p:style>
+      </p:cxnSp>
+      <p:sp>
+        <p:nvSpPr>
+          <p:cNvPr id="9" name="Rectangle 8">
+            <a:extLst>
+              <a:ext uri="{FF2B5EF4-FFF2-40B4-BE49-F238E27FC236}">
+                <a16:creationId xmlns:a16="http://schemas.microsoft.com/office/drawing/2014/main" id="{F577BEF7-5942-4527-B55E-B1005CD956EE}"/>
+              </a:ext>
+            </a:extLst>
+          </p:cNvPr>
+          <p:cNvSpPr/>
+          <p:nvPr/>
+        </p:nvSpPr>
+        <p:spPr>
+          <a:xfrm>
+            <a:off x="9507071" y="1855694"/>
+            <a:ext cx="914399" cy="1573306"/>
+          </a:xfrm>
+          <a:prstGeom prst="rect">
+            <a:avLst/>
+          </a:prstGeom>
+          <a:noFill/>
+          <a:ln w="38100">
+            <a:solidFill>
+              <a:srgbClr val="FFC000"/>
+            </a:solidFill>
+          </a:ln>
+        </p:spPr>
+        <p:style>
+          <a:lnRef idx="2">
+            <a:schemeClr val="accent1">
+              <a:shade val="50000"/>
+            </a:schemeClr>
+          </a:lnRef>
+          <a:fillRef idx="1">
+            <a:schemeClr val="accent1"/>
+          </a:fillRef>
+          <a:effectRef idx="0">
+            <a:schemeClr val="accent1"/>
+          </a:effectRef>
+          <a:fontRef idx="minor">
+            <a:schemeClr val="lt1"/>
+          </a:fontRef>
+        </p:style>
+        <p:txBody>
+          <a:bodyPr rtlCol="0" anchor="ctr"/>
+          <a:lstStyle/>
+          <a:p>
+            <a:pPr algn="ctr"/>
+            <a:endParaRPr lang="en-US"/>
+          </a:p>
+        </p:txBody>
+      </p:sp>
+    </p:spTree>
+    <p:extLst>
+      <p:ext uri="{BB962C8B-B14F-4D97-AF65-F5344CB8AC3E}">
+        <p14:creationId xmlns:p14="http://schemas.microsoft.com/office/powerpoint/2010/main" val="3850312851"/>
       </p:ext>
     </p:extLst>
   </p:cSld>

--- a/notebooks/05_Autoencoder_and_variations.pptx
+++ b/notebooks/05_Autoencoder_and_variations.pptx
@@ -17,6 +17,11 @@
     <p:sldId id="265" r:id="rId11"/>
     <p:sldId id="266" r:id="rId12"/>
     <p:sldId id="267" r:id="rId13"/>
+    <p:sldId id="269" r:id="rId14"/>
+    <p:sldId id="268" r:id="rId15"/>
+    <p:sldId id="270" r:id="rId16"/>
+    <p:sldId id="271" r:id="rId17"/>
+    <p:sldId id="272" r:id="rId18"/>
   </p:sldIdLst>
   <p:sldSz cx="12192000" cy="6858000"/>
   <p:notesSz cx="6858000" cy="9144000"/>
@@ -270,7 +275,7 @@
           <a:p>
             <a:fld id="{300EC45C-D7D4-4543-B4F5-6A9E468CEDFA}" type="datetimeFigureOut">
               <a:rPr lang="en-US" smtClean="0"/>
-              <a:t>11/11/2020</a:t>
+              <a:t>11/12/2020</a:t>
             </a:fld>
             <a:endParaRPr lang="en-US"/>
           </a:p>
@@ -468,7 +473,7 @@
           <a:p>
             <a:fld id="{300EC45C-D7D4-4543-B4F5-6A9E468CEDFA}" type="datetimeFigureOut">
               <a:rPr lang="en-US" smtClean="0"/>
-              <a:t>11/11/2020</a:t>
+              <a:t>11/12/2020</a:t>
             </a:fld>
             <a:endParaRPr lang="en-US"/>
           </a:p>
@@ -676,7 +681,7 @@
           <a:p>
             <a:fld id="{300EC45C-D7D4-4543-B4F5-6A9E468CEDFA}" type="datetimeFigureOut">
               <a:rPr lang="en-US" smtClean="0"/>
-              <a:t>11/11/2020</a:t>
+              <a:t>11/12/2020</a:t>
             </a:fld>
             <a:endParaRPr lang="en-US"/>
           </a:p>
@@ -874,7 +879,7 @@
           <a:p>
             <a:fld id="{300EC45C-D7D4-4543-B4F5-6A9E468CEDFA}" type="datetimeFigureOut">
               <a:rPr lang="en-US" smtClean="0"/>
-              <a:t>11/11/2020</a:t>
+              <a:t>11/12/2020</a:t>
             </a:fld>
             <a:endParaRPr lang="en-US"/>
           </a:p>
@@ -1149,7 +1154,7 @@
           <a:p>
             <a:fld id="{300EC45C-D7D4-4543-B4F5-6A9E468CEDFA}" type="datetimeFigureOut">
               <a:rPr lang="en-US" smtClean="0"/>
-              <a:t>11/11/2020</a:t>
+              <a:t>11/12/2020</a:t>
             </a:fld>
             <a:endParaRPr lang="en-US"/>
           </a:p>
@@ -1414,7 +1419,7 @@
           <a:p>
             <a:fld id="{300EC45C-D7D4-4543-B4F5-6A9E468CEDFA}" type="datetimeFigureOut">
               <a:rPr lang="en-US" smtClean="0"/>
-              <a:t>11/11/2020</a:t>
+              <a:t>11/12/2020</a:t>
             </a:fld>
             <a:endParaRPr lang="en-US"/>
           </a:p>
@@ -1826,7 +1831,7 @@
           <a:p>
             <a:fld id="{300EC45C-D7D4-4543-B4F5-6A9E468CEDFA}" type="datetimeFigureOut">
               <a:rPr lang="en-US" smtClean="0"/>
-              <a:t>11/11/2020</a:t>
+              <a:t>11/12/2020</a:t>
             </a:fld>
             <a:endParaRPr lang="en-US"/>
           </a:p>
@@ -1967,7 +1972,7 @@
           <a:p>
             <a:fld id="{300EC45C-D7D4-4543-B4F5-6A9E468CEDFA}" type="datetimeFigureOut">
               <a:rPr lang="en-US" smtClean="0"/>
-              <a:t>11/11/2020</a:t>
+              <a:t>11/12/2020</a:t>
             </a:fld>
             <a:endParaRPr lang="en-US"/>
           </a:p>
@@ -2080,7 +2085,7 @@
           <a:p>
             <a:fld id="{300EC45C-D7D4-4543-B4F5-6A9E468CEDFA}" type="datetimeFigureOut">
               <a:rPr lang="en-US" smtClean="0"/>
-              <a:t>11/11/2020</a:t>
+              <a:t>11/12/2020</a:t>
             </a:fld>
             <a:endParaRPr lang="en-US"/>
           </a:p>
@@ -2391,7 +2396,7 @@
           <a:p>
             <a:fld id="{300EC45C-D7D4-4543-B4F5-6A9E468CEDFA}" type="datetimeFigureOut">
               <a:rPr lang="en-US" smtClean="0"/>
-              <a:t>11/11/2020</a:t>
+              <a:t>11/12/2020</a:t>
             </a:fld>
             <a:endParaRPr lang="en-US"/>
           </a:p>
@@ -2679,7 +2684,7 @@
           <a:p>
             <a:fld id="{300EC45C-D7D4-4543-B4F5-6A9E468CEDFA}" type="datetimeFigureOut">
               <a:rPr lang="en-US" smtClean="0"/>
-              <a:t>11/11/2020</a:t>
+              <a:t>11/12/2020</a:t>
             </a:fld>
             <a:endParaRPr lang="en-US"/>
           </a:p>
@@ -2920,7 +2925,7 @@
           <a:p>
             <a:fld id="{300EC45C-D7D4-4543-B4F5-6A9E468CEDFA}" type="datetimeFigureOut">
               <a:rPr lang="en-US" smtClean="0"/>
-              <a:t>11/11/2020</a:t>
+              <a:t>11/12/2020</a:t>
             </a:fld>
             <a:endParaRPr lang="en-US"/>
           </a:p>
@@ -4000,15 +4005,7 @@
           <a:p>
             <a:r>
               <a:rPr lang="en-US" dirty="0"/>
-              <a:t>To fix and </a:t>
-            </a:r>
-            <a:r>
-              <a:rPr lang="en-US" dirty="0" err="1"/>
-              <a:t>enhence</a:t>
-            </a:r>
-            <a:r>
-              <a:rPr lang="en-US" dirty="0"/>
-              <a:t> photos</a:t>
+              <a:t>To fix and enhance photos</a:t>
             </a:r>
           </a:p>
         </p:txBody>
@@ -4260,11 +4257,17 @@
           </a:p>
           <a:p>
             <a:pPr lvl="1"/>
-            <a:endParaRPr lang="en-US" dirty="0"/>
+            <a:r>
+              <a:rPr lang="en-US" dirty="0"/>
+              <a:t>To perform motion corrections</a:t>
+            </a:r>
           </a:p>
           <a:p>
             <a:pPr lvl="1"/>
-            <a:endParaRPr lang="en-US" dirty="0"/>
+            <a:r>
+              <a:rPr lang="en-US" dirty="0"/>
+              <a:t>To remove noises</a:t>
+            </a:r>
           </a:p>
           <a:p>
             <a:pPr lvl="1"/>
@@ -4377,6 +4380,1174 @@
     <p:extLst>
       <p:ext uri="{BB962C8B-B14F-4D97-AF65-F5344CB8AC3E}">
         <p14:creationId xmlns:p14="http://schemas.microsoft.com/office/powerpoint/2010/main" val="2650201986"/>
+      </p:ext>
+    </p:extLst>
+  </p:cSld>
+  <p:clrMapOvr>
+    <a:masterClrMapping/>
+  </p:clrMapOvr>
+</p:sld>
+</file>
+
+<file path=ppt/slides/slide13.xml><?xml version="1.0" encoding="utf-8"?>
+<p:sld xmlns:a="http://schemas.openxmlformats.org/drawingml/2006/main" xmlns:r="http://schemas.openxmlformats.org/officeDocument/2006/relationships" xmlns:p="http://schemas.openxmlformats.org/presentationml/2006/main">
+  <p:cSld>
+    <p:spTree>
+      <p:nvGrpSpPr>
+        <p:cNvPr id="1" name=""/>
+        <p:cNvGrpSpPr/>
+        <p:nvPr/>
+      </p:nvGrpSpPr>
+      <p:grpSpPr>
+        <a:xfrm>
+          <a:off x="0" y="0"/>
+          <a:ext cx="0" cy="0"/>
+          <a:chOff x="0" y="0"/>
+          <a:chExt cx="0" cy="0"/>
+        </a:xfrm>
+      </p:grpSpPr>
+      <p:pic>
+        <p:nvPicPr>
+          <p:cNvPr id="1026" name="Picture 2" descr="figure1">
+            <a:extLst>
+              <a:ext uri="{FF2B5EF4-FFF2-40B4-BE49-F238E27FC236}">
+                <a16:creationId xmlns:a16="http://schemas.microsoft.com/office/drawing/2014/main" id="{F8BA1B90-633C-406D-B8AB-508F4373C3E3}"/>
+              </a:ext>
+            </a:extLst>
+          </p:cNvPr>
+          <p:cNvPicPr>
+            <a:picLocks noChangeAspect="1" noChangeArrowheads="1"/>
+          </p:cNvPicPr>
+          <p:nvPr/>
+        </p:nvPicPr>
+        <p:blipFill>
+          <a:blip r:embed="rId2">
+            <a:extLst>
+              <a:ext uri="{28A0092B-C50C-407E-A947-70E740481C1C}">
+                <a14:useLocalDpi xmlns:a14="http://schemas.microsoft.com/office/drawing/2010/main" val="0"/>
+              </a:ext>
+            </a:extLst>
+          </a:blip>
+          <a:srcRect/>
+          <a:stretch>
+            <a:fillRect/>
+          </a:stretch>
+        </p:blipFill>
+        <p:spPr bwMode="auto">
+          <a:xfrm>
+            <a:off x="2069887" y="2719747"/>
+            <a:ext cx="8052226" cy="2351015"/>
+          </a:xfrm>
+          <a:prstGeom prst="rect">
+            <a:avLst/>
+          </a:prstGeom>
+          <a:noFill/>
+          <a:extLst>
+            <a:ext uri="{909E8E84-426E-40DD-AFC4-6F175D3DCCD1}">
+              <a14:hiddenFill xmlns:a14="http://schemas.microsoft.com/office/drawing/2010/main">
+                <a:solidFill>
+                  <a:srgbClr val="FFFFFF"/>
+                </a:solidFill>
+              </a14:hiddenFill>
+            </a:ext>
+          </a:extLst>
+        </p:spPr>
+      </p:pic>
+      <p:sp>
+        <p:nvSpPr>
+          <p:cNvPr id="2" name="Title 1">
+            <a:extLst>
+              <a:ext uri="{FF2B5EF4-FFF2-40B4-BE49-F238E27FC236}">
+                <a16:creationId xmlns:a16="http://schemas.microsoft.com/office/drawing/2014/main" id="{6403339E-D406-4255-8C97-963924A3B9E5}"/>
+              </a:ext>
+            </a:extLst>
+          </p:cNvPr>
+          <p:cNvSpPr>
+            <a:spLocks noGrp="1"/>
+          </p:cNvSpPr>
+          <p:nvPr>
+            <p:ph type="title"/>
+          </p:nvPr>
+        </p:nvSpPr>
+        <p:spPr/>
+        <p:txBody>
+          <a:bodyPr/>
+          <a:lstStyle/>
+          <a:p>
+            <a:r>
+              <a:rPr lang="en-US" b="1" dirty="0">
+                <a:effectLst>
+                  <a:outerShdw blurRad="38100" dist="38100" dir="2700000" algn="tl">
+                    <a:srgbClr val="000000">
+                      <a:alpha val="43137"/>
+                    </a:srgbClr>
+                  </a:outerShdw>
+                </a:effectLst>
+              </a:rPr>
+              <a:t>What Denoising Autoencoders can Do?</a:t>
+            </a:r>
+          </a:p>
+        </p:txBody>
+      </p:sp>
+      <p:sp>
+        <p:nvSpPr>
+          <p:cNvPr id="5" name="Content Placeholder 4">
+            <a:extLst>
+              <a:ext uri="{FF2B5EF4-FFF2-40B4-BE49-F238E27FC236}">
+                <a16:creationId xmlns:a16="http://schemas.microsoft.com/office/drawing/2014/main" id="{42A58C40-1F0B-4FFD-A367-501D3F38A6D0}"/>
+              </a:ext>
+            </a:extLst>
+          </p:cNvPr>
+          <p:cNvSpPr>
+            <a:spLocks noGrp="1"/>
+          </p:cNvSpPr>
+          <p:nvPr>
+            <p:ph idx="1"/>
+          </p:nvPr>
+        </p:nvSpPr>
+        <p:spPr/>
+        <p:txBody>
+          <a:bodyPr/>
+          <a:lstStyle/>
+          <a:p>
+            <a:r>
+              <a:rPr lang="en-US" dirty="0"/>
+              <a:t>Missing data imputation</a:t>
+            </a:r>
+          </a:p>
+        </p:txBody>
+      </p:sp>
+      <p:sp>
+        <p:nvSpPr>
+          <p:cNvPr id="11" name="TextBox 10">
+            <a:extLst>
+              <a:ext uri="{FF2B5EF4-FFF2-40B4-BE49-F238E27FC236}">
+                <a16:creationId xmlns:a16="http://schemas.microsoft.com/office/drawing/2014/main" id="{1A154741-EA93-47E2-9BCE-E0624BC07317}"/>
+              </a:ext>
+            </a:extLst>
+          </p:cNvPr>
+          <p:cNvSpPr txBox="1"/>
+          <p:nvPr/>
+        </p:nvSpPr>
+        <p:spPr>
+          <a:xfrm>
+            <a:off x="5444836" y="6270336"/>
+            <a:ext cx="6554066" cy="369332"/>
+          </a:xfrm>
+          <a:prstGeom prst="rect">
+            <a:avLst/>
+          </a:prstGeom>
+          <a:noFill/>
+        </p:spPr>
+        <p:txBody>
+          <a:bodyPr wrap="square">
+            <a:spAutoFit/>
+          </a:bodyPr>
+          <a:lstStyle/>
+          <a:p>
+            <a:r>
+              <a:rPr lang="en-US" dirty="0"/>
+              <a:t>https://curiousily.com/posts/data-imputation-using-autoencoders/</a:t>
+            </a:r>
+          </a:p>
+        </p:txBody>
+      </p:sp>
+    </p:spTree>
+    <p:extLst>
+      <p:ext uri="{BB962C8B-B14F-4D97-AF65-F5344CB8AC3E}">
+        <p14:creationId xmlns:p14="http://schemas.microsoft.com/office/powerpoint/2010/main" val="3148777325"/>
+      </p:ext>
+    </p:extLst>
+  </p:cSld>
+  <p:clrMapOvr>
+    <a:masterClrMapping/>
+  </p:clrMapOvr>
+</p:sld>
+</file>
+
+<file path=ppt/slides/slide14.xml><?xml version="1.0" encoding="utf-8"?>
+<p:sld xmlns:a="http://schemas.openxmlformats.org/drawingml/2006/main" xmlns:r="http://schemas.openxmlformats.org/officeDocument/2006/relationships" xmlns:p="http://schemas.openxmlformats.org/presentationml/2006/main">
+  <p:cSld>
+    <p:spTree>
+      <p:nvGrpSpPr>
+        <p:cNvPr id="1" name=""/>
+        <p:cNvGrpSpPr/>
+        <p:nvPr/>
+      </p:nvGrpSpPr>
+      <p:grpSpPr>
+        <a:xfrm>
+          <a:off x="0" y="0"/>
+          <a:ext cx="0" cy="0"/>
+          <a:chOff x="0" y="0"/>
+          <a:chExt cx="0" cy="0"/>
+        </a:xfrm>
+      </p:grpSpPr>
+      <p:sp>
+        <p:nvSpPr>
+          <p:cNvPr id="2" name="Title 1">
+            <a:extLst>
+              <a:ext uri="{FF2B5EF4-FFF2-40B4-BE49-F238E27FC236}">
+                <a16:creationId xmlns:a16="http://schemas.microsoft.com/office/drawing/2014/main" id="{6403339E-D406-4255-8C97-963924A3B9E5}"/>
+              </a:ext>
+            </a:extLst>
+          </p:cNvPr>
+          <p:cNvSpPr>
+            <a:spLocks noGrp="1"/>
+          </p:cNvSpPr>
+          <p:nvPr>
+            <p:ph type="title"/>
+          </p:nvPr>
+        </p:nvSpPr>
+        <p:spPr/>
+        <p:txBody>
+          <a:bodyPr/>
+          <a:lstStyle/>
+          <a:p>
+            <a:r>
+              <a:rPr lang="en-US" b="1" dirty="0">
+                <a:effectLst>
+                  <a:outerShdw blurRad="38100" dist="38100" dir="2700000" algn="tl">
+                    <a:srgbClr val="000000">
+                      <a:alpha val="43137"/>
+                    </a:srgbClr>
+                  </a:outerShdw>
+                </a:effectLst>
+              </a:rPr>
+              <a:t>Missing Data Imputation with Autoencoders</a:t>
+            </a:r>
+          </a:p>
+        </p:txBody>
+      </p:sp>
+      <p:pic>
+        <p:nvPicPr>
+          <p:cNvPr id="6" name="Picture 5">
+            <a:extLst>
+              <a:ext uri="{FF2B5EF4-FFF2-40B4-BE49-F238E27FC236}">
+                <a16:creationId xmlns:a16="http://schemas.microsoft.com/office/drawing/2014/main" id="{A782EABF-0EF6-4632-B476-43A57025B8A8}"/>
+              </a:ext>
+            </a:extLst>
+          </p:cNvPr>
+          <p:cNvPicPr>
+            <a:picLocks noChangeAspect="1"/>
+          </p:cNvPicPr>
+          <p:nvPr/>
+        </p:nvPicPr>
+        <p:blipFill>
+          <a:blip r:embed="rId2"/>
+          <a:stretch>
+            <a:fillRect/>
+          </a:stretch>
+        </p:blipFill>
+        <p:spPr>
+          <a:xfrm>
+            <a:off x="653106" y="2952328"/>
+            <a:ext cx="5090276" cy="1375582"/>
+          </a:xfrm>
+          <a:prstGeom prst="rect">
+            <a:avLst/>
+          </a:prstGeom>
+        </p:spPr>
+      </p:pic>
+      <p:pic>
+        <p:nvPicPr>
+          <p:cNvPr id="8" name="Picture 7">
+            <a:extLst>
+              <a:ext uri="{FF2B5EF4-FFF2-40B4-BE49-F238E27FC236}">
+                <a16:creationId xmlns:a16="http://schemas.microsoft.com/office/drawing/2014/main" id="{47F65ED3-7348-4CBA-9A13-EBF513210F43}"/>
+              </a:ext>
+            </a:extLst>
+          </p:cNvPr>
+          <p:cNvPicPr>
+            <a:picLocks noChangeAspect="1"/>
+          </p:cNvPicPr>
+          <p:nvPr/>
+        </p:nvPicPr>
+        <p:blipFill>
+          <a:blip r:embed="rId3"/>
+          <a:stretch>
+            <a:fillRect/>
+          </a:stretch>
+        </p:blipFill>
+        <p:spPr>
+          <a:xfrm>
+            <a:off x="653106" y="4536432"/>
+            <a:ext cx="5090276" cy="1285168"/>
+          </a:xfrm>
+          <a:prstGeom prst="rect">
+            <a:avLst/>
+          </a:prstGeom>
+        </p:spPr>
+      </p:pic>
+      <p:pic>
+        <p:nvPicPr>
+          <p:cNvPr id="9" name="Picture 8">
+            <a:extLst>
+              <a:ext uri="{FF2B5EF4-FFF2-40B4-BE49-F238E27FC236}">
+                <a16:creationId xmlns:a16="http://schemas.microsoft.com/office/drawing/2014/main" id="{70C2A219-1676-4CCA-826A-200350E010F5}"/>
+              </a:ext>
+            </a:extLst>
+          </p:cNvPr>
+          <p:cNvPicPr>
+            <a:picLocks noChangeAspect="1"/>
+          </p:cNvPicPr>
+          <p:nvPr/>
+        </p:nvPicPr>
+        <p:blipFill>
+          <a:blip r:embed="rId4"/>
+          <a:stretch>
+            <a:fillRect/>
+          </a:stretch>
+        </p:blipFill>
+        <p:spPr>
+          <a:xfrm>
+            <a:off x="6443384" y="1742835"/>
+            <a:ext cx="4766596" cy="1342574"/>
+          </a:xfrm>
+          <a:prstGeom prst="rect">
+            <a:avLst/>
+          </a:prstGeom>
+          <a:ln w="38100">
+            <a:solidFill>
+              <a:srgbClr val="FFC000"/>
+            </a:solidFill>
+          </a:ln>
+        </p:spPr>
+      </p:pic>
+      <p:pic>
+        <p:nvPicPr>
+          <p:cNvPr id="10" name="Picture 9">
+            <a:extLst>
+              <a:ext uri="{FF2B5EF4-FFF2-40B4-BE49-F238E27FC236}">
+                <a16:creationId xmlns:a16="http://schemas.microsoft.com/office/drawing/2014/main" id="{E0523ED7-CFB2-4D2F-94A4-EB18216F606A}"/>
+              </a:ext>
+            </a:extLst>
+          </p:cNvPr>
+          <p:cNvPicPr>
+            <a:picLocks noChangeAspect="1"/>
+          </p:cNvPicPr>
+          <p:nvPr/>
+        </p:nvPicPr>
+        <p:blipFill>
+          <a:blip r:embed="rId5"/>
+          <a:stretch>
+            <a:fillRect/>
+          </a:stretch>
+        </p:blipFill>
+        <p:spPr>
+          <a:xfrm>
+            <a:off x="6438150" y="4462979"/>
+            <a:ext cx="5095510" cy="1738312"/>
+          </a:xfrm>
+          <a:prstGeom prst="rect">
+            <a:avLst/>
+          </a:prstGeom>
+        </p:spPr>
+      </p:pic>
+      <p:pic>
+        <p:nvPicPr>
+          <p:cNvPr id="13" name="Picture 12">
+            <a:extLst>
+              <a:ext uri="{FF2B5EF4-FFF2-40B4-BE49-F238E27FC236}">
+                <a16:creationId xmlns:a16="http://schemas.microsoft.com/office/drawing/2014/main" id="{2B0BDB68-3992-4FEE-9948-675C1BA88018}"/>
+              </a:ext>
+            </a:extLst>
+          </p:cNvPr>
+          <p:cNvPicPr>
+            <a:picLocks noChangeAspect="1"/>
+          </p:cNvPicPr>
+          <p:nvPr/>
+        </p:nvPicPr>
+        <p:blipFill>
+          <a:blip r:embed="rId6"/>
+          <a:stretch>
+            <a:fillRect/>
+          </a:stretch>
+        </p:blipFill>
+        <p:spPr>
+          <a:xfrm>
+            <a:off x="653106" y="1738893"/>
+            <a:ext cx="5090277" cy="1066153"/>
+          </a:xfrm>
+          <a:prstGeom prst="rect">
+            <a:avLst/>
+          </a:prstGeom>
+        </p:spPr>
+      </p:pic>
+      <p:pic>
+        <p:nvPicPr>
+          <p:cNvPr id="14" name="Picture 13">
+            <a:extLst>
+              <a:ext uri="{FF2B5EF4-FFF2-40B4-BE49-F238E27FC236}">
+                <a16:creationId xmlns:a16="http://schemas.microsoft.com/office/drawing/2014/main" id="{72F57BBD-B46B-4EDD-A739-63701817702F}"/>
+              </a:ext>
+            </a:extLst>
+          </p:cNvPr>
+          <p:cNvPicPr>
+            <a:picLocks noChangeAspect="1"/>
+          </p:cNvPicPr>
+          <p:nvPr/>
+        </p:nvPicPr>
+        <p:blipFill>
+          <a:blip r:embed="rId7"/>
+          <a:stretch>
+            <a:fillRect/>
+          </a:stretch>
+        </p:blipFill>
+        <p:spPr>
+          <a:xfrm>
+            <a:off x="6443384" y="3220478"/>
+            <a:ext cx="5090276" cy="1107432"/>
+          </a:xfrm>
+          <a:prstGeom prst="rect">
+            <a:avLst/>
+          </a:prstGeom>
+        </p:spPr>
+      </p:pic>
+    </p:spTree>
+    <p:extLst>
+      <p:ext uri="{BB962C8B-B14F-4D97-AF65-F5344CB8AC3E}">
+        <p14:creationId xmlns:p14="http://schemas.microsoft.com/office/powerpoint/2010/main" val="3083367967"/>
+      </p:ext>
+    </p:extLst>
+  </p:cSld>
+  <p:clrMapOvr>
+    <a:masterClrMapping/>
+  </p:clrMapOvr>
+</p:sld>
+</file>
+
+<file path=ppt/slides/slide15.xml><?xml version="1.0" encoding="utf-8"?>
+<p:sld xmlns:a="http://schemas.openxmlformats.org/drawingml/2006/main" xmlns:r="http://schemas.openxmlformats.org/officeDocument/2006/relationships" xmlns:p="http://schemas.openxmlformats.org/presentationml/2006/main">
+  <p:cSld>
+    <p:spTree>
+      <p:nvGrpSpPr>
+        <p:cNvPr id="1" name=""/>
+        <p:cNvGrpSpPr/>
+        <p:nvPr/>
+      </p:nvGrpSpPr>
+      <p:grpSpPr>
+        <a:xfrm>
+          <a:off x="0" y="0"/>
+          <a:ext cx="0" cy="0"/>
+          <a:chOff x="0" y="0"/>
+          <a:chExt cx="0" cy="0"/>
+        </a:xfrm>
+      </p:grpSpPr>
+      <p:sp>
+        <p:nvSpPr>
+          <p:cNvPr id="2" name="Title 1">
+            <a:extLst>
+              <a:ext uri="{FF2B5EF4-FFF2-40B4-BE49-F238E27FC236}">
+                <a16:creationId xmlns:a16="http://schemas.microsoft.com/office/drawing/2014/main" id="{6403339E-D406-4255-8C97-963924A3B9E5}"/>
+              </a:ext>
+            </a:extLst>
+          </p:cNvPr>
+          <p:cNvSpPr>
+            <a:spLocks noGrp="1"/>
+          </p:cNvSpPr>
+          <p:nvPr>
+            <p:ph type="title"/>
+          </p:nvPr>
+        </p:nvSpPr>
+        <p:spPr/>
+        <p:txBody>
+          <a:bodyPr/>
+          <a:lstStyle/>
+          <a:p>
+            <a:r>
+              <a:rPr lang="en-US" b="1" dirty="0">
+                <a:effectLst>
+                  <a:outerShdw blurRad="38100" dist="38100" dir="2700000" algn="tl">
+                    <a:srgbClr val="000000">
+                      <a:alpha val="43137"/>
+                    </a:srgbClr>
+                  </a:outerShdw>
+                </a:effectLst>
+              </a:rPr>
+              <a:t>Variational Autoencoders</a:t>
+            </a:r>
+          </a:p>
+        </p:txBody>
+      </p:sp>
+      <p:sp>
+        <p:nvSpPr>
+          <p:cNvPr id="3" name="Content Placeholder 2">
+            <a:extLst>
+              <a:ext uri="{FF2B5EF4-FFF2-40B4-BE49-F238E27FC236}">
+                <a16:creationId xmlns:a16="http://schemas.microsoft.com/office/drawing/2014/main" id="{8AD7FF77-E223-4CA8-8331-B24E96353B08}"/>
+              </a:ext>
+            </a:extLst>
+          </p:cNvPr>
+          <p:cNvSpPr>
+            <a:spLocks noGrp="1"/>
+          </p:cNvSpPr>
+          <p:nvPr>
+            <p:ph idx="1"/>
+          </p:nvPr>
+        </p:nvSpPr>
+        <p:spPr>
+          <a:xfrm>
+            <a:off x="838200" y="1825625"/>
+            <a:ext cx="5952693" cy="4351338"/>
+          </a:xfrm>
+        </p:spPr>
+        <p:txBody>
+          <a:bodyPr/>
+          <a:lstStyle/>
+          <a:p>
+            <a:r>
+              <a:rPr lang="en-US" dirty="0"/>
+              <a:t>Most generative models (including GAN) can generate </a:t>
+            </a:r>
+            <a:r>
+              <a:rPr lang="en-US" i="1" dirty="0"/>
+              <a:t>random</a:t>
+            </a:r>
+            <a:r>
+              <a:rPr lang="en-US" dirty="0"/>
+              <a:t> output.</a:t>
+            </a:r>
+          </a:p>
+          <a:p>
+            <a:r>
+              <a:rPr lang="en-US" dirty="0"/>
+              <a:t>Ideally, we want to have </a:t>
+            </a:r>
+            <a:r>
+              <a:rPr lang="en-US" i="1" dirty="0"/>
+              <a:t>a few factors</a:t>
+            </a:r>
+            <a:r>
+              <a:rPr lang="en-US" dirty="0"/>
+              <a:t> to control when generating new samples.</a:t>
+            </a:r>
+          </a:p>
+        </p:txBody>
+      </p:sp>
+      <p:sp>
+        <p:nvSpPr>
+          <p:cNvPr id="11" name="TextBox 10">
+            <a:extLst>
+              <a:ext uri="{FF2B5EF4-FFF2-40B4-BE49-F238E27FC236}">
+                <a16:creationId xmlns:a16="http://schemas.microsoft.com/office/drawing/2014/main" id="{E824FC65-1CFD-4274-88A9-C307B49149E3}"/>
+              </a:ext>
+            </a:extLst>
+          </p:cNvPr>
+          <p:cNvSpPr txBox="1"/>
+          <p:nvPr/>
+        </p:nvSpPr>
+        <p:spPr>
+          <a:xfrm>
+            <a:off x="5793798" y="6492875"/>
+            <a:ext cx="6094268" cy="276999"/>
+          </a:xfrm>
+          <a:prstGeom prst="rect">
+            <a:avLst/>
+          </a:prstGeom>
+          <a:noFill/>
+        </p:spPr>
+        <p:txBody>
+          <a:bodyPr wrap="square">
+            <a:spAutoFit/>
+          </a:bodyPr>
+          <a:lstStyle/>
+          <a:p>
+            <a:r>
+              <a:rPr lang="en-US" sz="1200" dirty="0"/>
+              <a:t>https://towardsdatascience.com/understanding-variational-autoencoders-vaes-f70510919f73</a:t>
+            </a:r>
+          </a:p>
+        </p:txBody>
+      </p:sp>
+      <p:sp>
+        <p:nvSpPr>
+          <p:cNvPr id="17" name="TextBox 16">
+            <a:extLst>
+              <a:ext uri="{FF2B5EF4-FFF2-40B4-BE49-F238E27FC236}">
+                <a16:creationId xmlns:a16="http://schemas.microsoft.com/office/drawing/2014/main" id="{CA7D16B4-DAB3-4EA7-BE2E-9C95D6C20740}"/>
+              </a:ext>
+            </a:extLst>
+          </p:cNvPr>
+          <p:cNvSpPr txBox="1"/>
+          <p:nvPr/>
+        </p:nvSpPr>
+        <p:spPr>
+          <a:xfrm>
+            <a:off x="5793798" y="6257440"/>
+            <a:ext cx="6398202" cy="276999"/>
+          </a:xfrm>
+          <a:prstGeom prst="rect">
+            <a:avLst/>
+          </a:prstGeom>
+          <a:noFill/>
+        </p:spPr>
+        <p:txBody>
+          <a:bodyPr wrap="square">
+            <a:spAutoFit/>
+          </a:bodyPr>
+          <a:lstStyle/>
+          <a:p>
+            <a:r>
+              <a:rPr lang="en-US" sz="1200" dirty="0"/>
+              <a:t>https://towardsdatascience.com/intuitively-understanding-variational-autoencoders-1bfe67eb5daf</a:t>
+            </a:r>
+          </a:p>
+        </p:txBody>
+      </p:sp>
+      <p:pic>
+        <p:nvPicPr>
+          <p:cNvPr id="2052" name="Picture 4" descr="Image for post">
+            <a:extLst>
+              <a:ext uri="{FF2B5EF4-FFF2-40B4-BE49-F238E27FC236}">
+                <a16:creationId xmlns:a16="http://schemas.microsoft.com/office/drawing/2014/main" id="{10DA3E4B-A8D5-449C-9800-E0DEBC1E0F3C}"/>
+              </a:ext>
+            </a:extLst>
+          </p:cNvPr>
+          <p:cNvPicPr>
+            <a:picLocks noChangeAspect="1" noChangeArrowheads="1"/>
+          </p:cNvPicPr>
+          <p:nvPr/>
+        </p:nvPicPr>
+        <p:blipFill>
+          <a:blip r:embed="rId2">
+            <a:extLst>
+              <a:ext uri="{28A0092B-C50C-407E-A947-70E740481C1C}">
+                <a14:useLocalDpi xmlns:a14="http://schemas.microsoft.com/office/drawing/2010/main" val="0"/>
+              </a:ext>
+            </a:extLst>
+          </a:blip>
+          <a:srcRect/>
+          <a:stretch>
+            <a:fillRect/>
+          </a:stretch>
+        </p:blipFill>
+        <p:spPr bwMode="auto">
+          <a:xfrm>
+            <a:off x="6790893" y="1690688"/>
+            <a:ext cx="4710545" cy="4453021"/>
+          </a:xfrm>
+          <a:prstGeom prst="rect">
+            <a:avLst/>
+          </a:prstGeom>
+          <a:noFill/>
+          <a:extLst>
+            <a:ext uri="{909E8E84-426E-40DD-AFC4-6F175D3DCCD1}">
+              <a14:hiddenFill xmlns:a14="http://schemas.microsoft.com/office/drawing/2010/main">
+                <a:solidFill>
+                  <a:srgbClr val="FFFFFF"/>
+                </a:solidFill>
+              </a14:hiddenFill>
+            </a:ext>
+          </a:extLst>
+        </p:spPr>
+      </p:pic>
+    </p:spTree>
+    <p:extLst>
+      <p:ext uri="{BB962C8B-B14F-4D97-AF65-F5344CB8AC3E}">
+        <p14:creationId xmlns:p14="http://schemas.microsoft.com/office/powerpoint/2010/main" val="1251998447"/>
+      </p:ext>
+    </p:extLst>
+  </p:cSld>
+  <p:clrMapOvr>
+    <a:masterClrMapping/>
+  </p:clrMapOvr>
+</p:sld>
+</file>
+
+<file path=ppt/slides/slide16.xml><?xml version="1.0" encoding="utf-8"?>
+<p:sld xmlns:a="http://schemas.openxmlformats.org/drawingml/2006/main" xmlns:r="http://schemas.openxmlformats.org/officeDocument/2006/relationships" xmlns:p="http://schemas.openxmlformats.org/presentationml/2006/main">
+  <p:cSld>
+    <p:spTree>
+      <p:nvGrpSpPr>
+        <p:cNvPr id="1" name=""/>
+        <p:cNvGrpSpPr/>
+        <p:nvPr/>
+      </p:nvGrpSpPr>
+      <p:grpSpPr>
+        <a:xfrm>
+          <a:off x="0" y="0"/>
+          <a:ext cx="0" cy="0"/>
+          <a:chOff x="0" y="0"/>
+          <a:chExt cx="0" cy="0"/>
+        </a:xfrm>
+      </p:grpSpPr>
+      <p:sp>
+        <p:nvSpPr>
+          <p:cNvPr id="2" name="Title 1">
+            <a:extLst>
+              <a:ext uri="{FF2B5EF4-FFF2-40B4-BE49-F238E27FC236}">
+                <a16:creationId xmlns:a16="http://schemas.microsoft.com/office/drawing/2014/main" id="{6403339E-D406-4255-8C97-963924A3B9E5}"/>
+              </a:ext>
+            </a:extLst>
+          </p:cNvPr>
+          <p:cNvSpPr>
+            <a:spLocks noGrp="1"/>
+          </p:cNvSpPr>
+          <p:nvPr>
+            <p:ph type="title"/>
+          </p:nvPr>
+        </p:nvSpPr>
+        <p:spPr/>
+        <p:txBody>
+          <a:bodyPr/>
+          <a:lstStyle/>
+          <a:p>
+            <a:r>
+              <a:rPr lang="en-US" b="1" dirty="0">
+                <a:effectLst>
+                  <a:outerShdw blurRad="38100" dist="38100" dir="2700000" algn="tl">
+                    <a:srgbClr val="000000">
+                      <a:alpha val="43137"/>
+                    </a:srgbClr>
+                  </a:outerShdw>
+                </a:effectLst>
+              </a:rPr>
+              <a:t>Problems of Generating with Autoencoders</a:t>
+            </a:r>
+          </a:p>
+        </p:txBody>
+      </p:sp>
+      <p:sp>
+        <p:nvSpPr>
+          <p:cNvPr id="3" name="Content Placeholder 2">
+            <a:extLst>
+              <a:ext uri="{FF2B5EF4-FFF2-40B4-BE49-F238E27FC236}">
+                <a16:creationId xmlns:a16="http://schemas.microsoft.com/office/drawing/2014/main" id="{8AD7FF77-E223-4CA8-8331-B24E96353B08}"/>
+              </a:ext>
+            </a:extLst>
+          </p:cNvPr>
+          <p:cNvSpPr>
+            <a:spLocks noGrp="1"/>
+          </p:cNvSpPr>
+          <p:nvPr>
+            <p:ph idx="1"/>
+          </p:nvPr>
+        </p:nvSpPr>
+        <p:spPr>
+          <a:xfrm>
+            <a:off x="838200" y="1825625"/>
+            <a:ext cx="6245506" cy="4351338"/>
+          </a:xfrm>
+        </p:spPr>
+        <p:txBody>
+          <a:bodyPr/>
+          <a:lstStyle/>
+          <a:p>
+            <a:r>
+              <a:rPr lang="en-US" dirty="0"/>
+              <a:t>The fundamental problem with autoencoders, for generation, is that the latent space they convert their inputs to and where their </a:t>
+            </a:r>
+            <a:r>
+              <a:rPr lang="en-US" i="1" dirty="0"/>
+              <a:t>encoded vectors lie, may not be continuous, or allow easy interpolation</a:t>
+            </a:r>
+            <a:r>
+              <a:rPr lang="en-US" dirty="0"/>
+              <a:t>.</a:t>
+            </a:r>
+          </a:p>
+          <a:p>
+            <a:r>
+              <a:rPr lang="en-US" dirty="0"/>
+              <a:t>The encoded space is fine for </a:t>
+            </a:r>
+            <a:r>
+              <a:rPr lang="en-US" i="1" dirty="0"/>
+              <a:t>reproducing</a:t>
+            </a:r>
+            <a:r>
+              <a:rPr lang="en-US" dirty="0"/>
+              <a:t> raw data, but not comprehensive for </a:t>
+            </a:r>
+            <a:r>
+              <a:rPr lang="en-US" i="1" dirty="0"/>
+              <a:t>generating</a:t>
+            </a:r>
+            <a:r>
+              <a:rPr lang="en-US" dirty="0"/>
+              <a:t> new data.</a:t>
+            </a:r>
+          </a:p>
+        </p:txBody>
+      </p:sp>
+      <p:pic>
+        <p:nvPicPr>
+          <p:cNvPr id="3076" name="Picture 4" descr="Image for post">
+            <a:extLst>
+              <a:ext uri="{FF2B5EF4-FFF2-40B4-BE49-F238E27FC236}">
+                <a16:creationId xmlns:a16="http://schemas.microsoft.com/office/drawing/2014/main" id="{A0E2E019-5B05-4FCF-AC57-F3E04E54CFBE}"/>
+              </a:ext>
+            </a:extLst>
+          </p:cNvPr>
+          <p:cNvPicPr>
+            <a:picLocks noChangeAspect="1" noChangeArrowheads="1"/>
+          </p:cNvPicPr>
+          <p:nvPr/>
+        </p:nvPicPr>
+        <p:blipFill>
+          <a:blip r:embed="rId2">
+            <a:extLst>
+              <a:ext uri="{28A0092B-C50C-407E-A947-70E740481C1C}">
+                <a14:useLocalDpi xmlns:a14="http://schemas.microsoft.com/office/drawing/2010/main" val="0"/>
+              </a:ext>
+            </a:extLst>
+          </a:blip>
+          <a:srcRect/>
+          <a:stretch>
+            <a:fillRect/>
+          </a:stretch>
+        </p:blipFill>
+        <p:spPr bwMode="auto">
+          <a:xfrm>
+            <a:off x="7372810" y="1690688"/>
+            <a:ext cx="3980990" cy="4331317"/>
+          </a:xfrm>
+          <a:prstGeom prst="rect">
+            <a:avLst/>
+          </a:prstGeom>
+          <a:noFill/>
+          <a:extLst>
+            <a:ext uri="{909E8E84-426E-40DD-AFC4-6F175D3DCCD1}">
+              <a14:hiddenFill xmlns:a14="http://schemas.microsoft.com/office/drawing/2010/main">
+                <a:solidFill>
+                  <a:srgbClr val="FFFFFF"/>
+                </a:solidFill>
+              </a14:hiddenFill>
+            </a:ext>
+          </a:extLst>
+        </p:spPr>
+      </p:pic>
+      <p:sp>
+        <p:nvSpPr>
+          <p:cNvPr id="15" name="TextBox 14">
+            <a:extLst>
+              <a:ext uri="{FF2B5EF4-FFF2-40B4-BE49-F238E27FC236}">
+                <a16:creationId xmlns:a16="http://schemas.microsoft.com/office/drawing/2014/main" id="{EB4DCD66-5B77-4847-9A93-3B4707453ABF}"/>
+              </a:ext>
+            </a:extLst>
+          </p:cNvPr>
+          <p:cNvSpPr txBox="1"/>
+          <p:nvPr/>
+        </p:nvSpPr>
+        <p:spPr>
+          <a:xfrm>
+            <a:off x="7317130" y="5888108"/>
+            <a:ext cx="4036670" cy="369332"/>
+          </a:xfrm>
+          <a:prstGeom prst="rect">
+            <a:avLst/>
+          </a:prstGeom>
+          <a:noFill/>
+        </p:spPr>
+        <p:txBody>
+          <a:bodyPr wrap="square">
+            <a:spAutoFit/>
+          </a:bodyPr>
+          <a:lstStyle/>
+          <a:p>
+            <a:r>
+              <a:rPr lang="en-US" b="0" i="0" dirty="0">
+                <a:solidFill>
+                  <a:srgbClr val="757575"/>
+                </a:solidFill>
+                <a:effectLst/>
+                <a:latin typeface="sohne"/>
+              </a:rPr>
+              <a:t>Optimizing purely for reconstruction loss</a:t>
+            </a:r>
+            <a:endParaRPr lang="en-US" dirty="0"/>
+          </a:p>
+        </p:txBody>
+      </p:sp>
+    </p:spTree>
+    <p:extLst>
+      <p:ext uri="{BB962C8B-B14F-4D97-AF65-F5344CB8AC3E}">
+        <p14:creationId xmlns:p14="http://schemas.microsoft.com/office/powerpoint/2010/main" val="2272355978"/>
+      </p:ext>
+    </p:extLst>
+  </p:cSld>
+  <p:clrMapOvr>
+    <a:masterClrMapping/>
+  </p:clrMapOvr>
+</p:sld>
+</file>
+
+<file path=ppt/slides/slide17.xml><?xml version="1.0" encoding="utf-8"?>
+<p:sld xmlns:a="http://schemas.openxmlformats.org/drawingml/2006/main" xmlns:r="http://schemas.openxmlformats.org/officeDocument/2006/relationships" xmlns:p="http://schemas.openxmlformats.org/presentationml/2006/main">
+  <p:cSld>
+    <p:spTree>
+      <p:nvGrpSpPr>
+        <p:cNvPr id="1" name=""/>
+        <p:cNvGrpSpPr/>
+        <p:nvPr/>
+      </p:nvGrpSpPr>
+      <p:grpSpPr>
+        <a:xfrm>
+          <a:off x="0" y="0"/>
+          <a:ext cx="0" cy="0"/>
+          <a:chOff x="0" y="0"/>
+          <a:chExt cx="0" cy="0"/>
+        </a:xfrm>
+      </p:grpSpPr>
+      <p:sp>
+        <p:nvSpPr>
+          <p:cNvPr id="2" name="Title 1">
+            <a:extLst>
+              <a:ext uri="{FF2B5EF4-FFF2-40B4-BE49-F238E27FC236}">
+                <a16:creationId xmlns:a16="http://schemas.microsoft.com/office/drawing/2014/main" id="{6403339E-D406-4255-8C97-963924A3B9E5}"/>
+              </a:ext>
+            </a:extLst>
+          </p:cNvPr>
+          <p:cNvSpPr>
+            <a:spLocks noGrp="1"/>
+          </p:cNvSpPr>
+          <p:nvPr>
+            <p:ph type="title"/>
+          </p:nvPr>
+        </p:nvSpPr>
+        <p:spPr/>
+        <p:txBody>
+          <a:bodyPr/>
+          <a:lstStyle/>
+          <a:p>
+            <a:r>
+              <a:rPr lang="en-US" b="1" dirty="0">
+                <a:effectLst>
+                  <a:outerShdw blurRad="38100" dist="38100" dir="2700000" algn="tl">
+                    <a:srgbClr val="000000">
+                      <a:alpha val="43137"/>
+                    </a:srgbClr>
+                  </a:outerShdw>
+                </a:effectLst>
+              </a:rPr>
+              <a:t>Variational Autoencoders (VAE)</a:t>
+            </a:r>
+          </a:p>
+        </p:txBody>
+      </p:sp>
+      <p:sp>
+        <p:nvSpPr>
+          <p:cNvPr id="3" name="Content Placeholder 2">
+            <a:extLst>
+              <a:ext uri="{FF2B5EF4-FFF2-40B4-BE49-F238E27FC236}">
+                <a16:creationId xmlns:a16="http://schemas.microsoft.com/office/drawing/2014/main" id="{8AD7FF77-E223-4CA8-8331-B24E96353B08}"/>
+              </a:ext>
+            </a:extLst>
+          </p:cNvPr>
+          <p:cNvSpPr>
+            <a:spLocks noGrp="1"/>
+          </p:cNvSpPr>
+          <p:nvPr>
+            <p:ph idx="1"/>
+          </p:nvPr>
+        </p:nvSpPr>
+        <p:spPr>
+          <a:xfrm>
+            <a:off x="838200" y="1825625"/>
+            <a:ext cx="4955598" cy="4351338"/>
+          </a:xfrm>
+        </p:spPr>
+        <p:txBody>
+          <a:bodyPr/>
+          <a:lstStyle/>
+          <a:p>
+            <a:r>
+              <a:rPr lang="en-US" dirty="0"/>
+              <a:t>VAE provide a latent space that are continuous by-design and allowing easy random sampling and interpretation.</a:t>
+            </a:r>
+          </a:p>
+          <a:p>
+            <a:r>
+              <a:rPr lang="en-US" dirty="0"/>
+              <a:t>Instead of outputting an encoding vector of size n, outputting two vectors of size n: </a:t>
+            </a:r>
+            <a:r>
+              <a:rPr lang="en-US" i="1" dirty="0"/>
+              <a:t>a vector of means, μ</a:t>
+            </a:r>
+            <a:r>
+              <a:rPr lang="en-US" dirty="0"/>
+              <a:t>, and </a:t>
+            </a:r>
+            <a:r>
+              <a:rPr lang="en-US" i="1" dirty="0"/>
+              <a:t>another vector of standard deviations, σ</a:t>
+            </a:r>
+            <a:r>
+              <a:rPr lang="en-US" dirty="0"/>
+              <a:t>.</a:t>
+            </a:r>
+          </a:p>
+        </p:txBody>
+      </p:sp>
+      <p:sp>
+        <p:nvSpPr>
+          <p:cNvPr id="11" name="TextBox 10">
+            <a:extLst>
+              <a:ext uri="{FF2B5EF4-FFF2-40B4-BE49-F238E27FC236}">
+                <a16:creationId xmlns:a16="http://schemas.microsoft.com/office/drawing/2014/main" id="{E824FC65-1CFD-4274-88A9-C307B49149E3}"/>
+              </a:ext>
+            </a:extLst>
+          </p:cNvPr>
+          <p:cNvSpPr txBox="1"/>
+          <p:nvPr/>
+        </p:nvSpPr>
+        <p:spPr>
+          <a:xfrm>
+            <a:off x="5793798" y="6492875"/>
+            <a:ext cx="6094268" cy="276999"/>
+          </a:xfrm>
+          <a:prstGeom prst="rect">
+            <a:avLst/>
+          </a:prstGeom>
+          <a:noFill/>
+        </p:spPr>
+        <p:txBody>
+          <a:bodyPr wrap="square">
+            <a:spAutoFit/>
+          </a:bodyPr>
+          <a:lstStyle/>
+          <a:p>
+            <a:r>
+              <a:rPr lang="en-US" sz="1200" dirty="0"/>
+              <a:t>https://towardsdatascience.com/understanding-variational-autoencoders-vaes-f70510919f73</a:t>
+            </a:r>
+          </a:p>
+        </p:txBody>
+      </p:sp>
+      <p:pic>
+        <p:nvPicPr>
+          <p:cNvPr id="2050" name="Picture 2" descr="Image for post">
+            <a:extLst>
+              <a:ext uri="{FF2B5EF4-FFF2-40B4-BE49-F238E27FC236}">
+                <a16:creationId xmlns:a16="http://schemas.microsoft.com/office/drawing/2014/main" id="{D406D83A-9D53-47F6-AA66-F5A9F4FD438B}"/>
+              </a:ext>
+            </a:extLst>
+          </p:cNvPr>
+          <p:cNvPicPr>
+            <a:picLocks noChangeAspect="1" noChangeArrowheads="1"/>
+          </p:cNvPicPr>
+          <p:nvPr/>
+        </p:nvPicPr>
+        <p:blipFill>
+          <a:blip r:embed="rId2">
+            <a:extLst>
+              <a:ext uri="{28A0092B-C50C-407E-A947-70E740481C1C}">
+                <a14:useLocalDpi xmlns:a14="http://schemas.microsoft.com/office/drawing/2010/main" val="0"/>
+              </a:ext>
+            </a:extLst>
+          </a:blip>
+          <a:srcRect/>
+          <a:stretch>
+            <a:fillRect/>
+          </a:stretch>
+        </p:blipFill>
+        <p:spPr bwMode="auto">
+          <a:xfrm>
+            <a:off x="5899031" y="3285140"/>
+            <a:ext cx="5454767" cy="1736576"/>
+          </a:xfrm>
+          <a:prstGeom prst="rect">
+            <a:avLst/>
+          </a:prstGeom>
+          <a:noFill/>
+          <a:extLst>
+            <a:ext uri="{909E8E84-426E-40DD-AFC4-6F175D3DCCD1}">
+              <a14:hiddenFill xmlns:a14="http://schemas.microsoft.com/office/drawing/2010/main">
+                <a:solidFill>
+                  <a:srgbClr val="FFFFFF"/>
+                </a:solidFill>
+              </a14:hiddenFill>
+            </a:ext>
+          </a:extLst>
+        </p:spPr>
+      </p:pic>
+      <p:sp>
+        <p:nvSpPr>
+          <p:cNvPr id="17" name="TextBox 16">
+            <a:extLst>
+              <a:ext uri="{FF2B5EF4-FFF2-40B4-BE49-F238E27FC236}">
+                <a16:creationId xmlns:a16="http://schemas.microsoft.com/office/drawing/2014/main" id="{CA7D16B4-DAB3-4EA7-BE2E-9C95D6C20740}"/>
+              </a:ext>
+            </a:extLst>
+          </p:cNvPr>
+          <p:cNvSpPr txBox="1"/>
+          <p:nvPr/>
+        </p:nvSpPr>
+        <p:spPr>
+          <a:xfrm>
+            <a:off x="5793798" y="6257440"/>
+            <a:ext cx="6398202" cy="276999"/>
+          </a:xfrm>
+          <a:prstGeom prst="rect">
+            <a:avLst/>
+          </a:prstGeom>
+          <a:noFill/>
+        </p:spPr>
+        <p:txBody>
+          <a:bodyPr wrap="square">
+            <a:spAutoFit/>
+          </a:bodyPr>
+          <a:lstStyle/>
+          <a:p>
+            <a:r>
+              <a:rPr lang="en-US" sz="1200" dirty="0"/>
+              <a:t>https://towardsdatascience.com/intuitively-understanding-variational-autoencoders-1bfe67eb5daf</a:t>
+            </a:r>
+          </a:p>
+        </p:txBody>
+      </p:sp>
+      <p:pic>
+        <p:nvPicPr>
+          <p:cNvPr id="3074" name="Picture 2" descr="Image for post">
+            <a:extLst>
+              <a:ext uri="{FF2B5EF4-FFF2-40B4-BE49-F238E27FC236}">
+                <a16:creationId xmlns:a16="http://schemas.microsoft.com/office/drawing/2014/main" id="{3EB3B99F-94C6-4AAA-9DC8-E220A4D0EC77}"/>
+              </a:ext>
+            </a:extLst>
+          </p:cNvPr>
+          <p:cNvPicPr>
+            <a:picLocks noChangeAspect="1" noChangeArrowheads="1"/>
+          </p:cNvPicPr>
+          <p:nvPr/>
+        </p:nvPicPr>
+        <p:blipFill>
+          <a:blip r:embed="rId3">
+            <a:extLst>
+              <a:ext uri="{28A0092B-C50C-407E-A947-70E740481C1C}">
+                <a14:useLocalDpi xmlns:a14="http://schemas.microsoft.com/office/drawing/2010/main" val="0"/>
+              </a:ext>
+            </a:extLst>
+          </a:blip>
+          <a:srcRect/>
+          <a:stretch>
+            <a:fillRect/>
+          </a:stretch>
+        </p:blipFill>
+        <p:spPr bwMode="auto">
+          <a:xfrm>
+            <a:off x="5899032" y="1690688"/>
+            <a:ext cx="5454767" cy="1359017"/>
+          </a:xfrm>
+          <a:prstGeom prst="rect">
+            <a:avLst/>
+          </a:prstGeom>
+          <a:noFill/>
+          <a:extLst>
+            <a:ext uri="{909E8E84-426E-40DD-AFC4-6F175D3DCCD1}">
+              <a14:hiddenFill xmlns:a14="http://schemas.microsoft.com/office/drawing/2010/main">
+                <a:solidFill>
+                  <a:srgbClr val="FFFFFF"/>
+                </a:solidFill>
+              </a14:hiddenFill>
+            </a:ext>
+          </a:extLst>
+        </p:spPr>
+      </p:pic>
+    </p:spTree>
+    <p:extLst>
+      <p:ext uri="{BB962C8B-B14F-4D97-AF65-F5344CB8AC3E}">
+        <p14:creationId xmlns:p14="http://schemas.microsoft.com/office/powerpoint/2010/main" val="1804908256"/>
       </p:ext>
     </p:extLst>
   </p:cSld>
@@ -5524,8 +6695,8 @@
         </p:blipFill>
         <p:spPr bwMode="auto">
           <a:xfrm>
-            <a:off x="838201" y="1690688"/>
-            <a:ext cx="10515599" cy="4674409"/>
+            <a:off x="1375065" y="2348348"/>
+            <a:ext cx="9441863" cy="4197110"/>
           </a:xfrm>
           <a:prstGeom prst="rect">
             <a:avLst/>
@@ -5542,6 +6713,186 @@
           </a:extLst>
         </p:spPr>
       </p:pic>
+      <p:cxnSp>
+        <p:nvCxnSpPr>
+          <p:cNvPr id="4" name="Straight Connector 3">
+            <a:extLst>
+              <a:ext uri="{FF2B5EF4-FFF2-40B4-BE49-F238E27FC236}">
+                <a16:creationId xmlns:a16="http://schemas.microsoft.com/office/drawing/2014/main" id="{DD093CFE-2B91-410B-9A9A-4E4AFD7D0718}"/>
+              </a:ext>
+            </a:extLst>
+          </p:cNvPr>
+          <p:cNvCxnSpPr>
+            <a:cxnSpLocks/>
+          </p:cNvCxnSpPr>
+          <p:nvPr/>
+        </p:nvCxnSpPr>
+        <p:spPr>
+          <a:xfrm>
+            <a:off x="5652655" y="2701636"/>
+            <a:ext cx="0" cy="2660076"/>
+          </a:xfrm>
+          <a:prstGeom prst="line">
+            <a:avLst/>
+          </a:prstGeom>
+          <a:ln w="76200"/>
+        </p:spPr>
+        <p:style>
+          <a:lnRef idx="1">
+            <a:schemeClr val="accent1"/>
+          </a:lnRef>
+          <a:fillRef idx="0">
+            <a:schemeClr val="accent1"/>
+          </a:fillRef>
+          <a:effectRef idx="0">
+            <a:schemeClr val="accent1"/>
+          </a:effectRef>
+          <a:fontRef idx="minor">
+            <a:schemeClr val="tx1"/>
+          </a:fontRef>
+        </p:style>
+      </p:cxnSp>
+      <p:cxnSp>
+        <p:nvCxnSpPr>
+          <p:cNvPr id="6" name="Straight Connector 5">
+            <a:extLst>
+              <a:ext uri="{FF2B5EF4-FFF2-40B4-BE49-F238E27FC236}">
+                <a16:creationId xmlns:a16="http://schemas.microsoft.com/office/drawing/2014/main" id="{4C8A2C4C-84B2-460F-B8FF-4545EAC2C5B8}"/>
+              </a:ext>
+            </a:extLst>
+          </p:cNvPr>
+          <p:cNvCxnSpPr>
+            <a:cxnSpLocks/>
+          </p:cNvCxnSpPr>
+          <p:nvPr/>
+        </p:nvCxnSpPr>
+        <p:spPr>
+          <a:xfrm>
+            <a:off x="8226136" y="2701636"/>
+            <a:ext cx="0" cy="2660076"/>
+          </a:xfrm>
+          <a:prstGeom prst="line">
+            <a:avLst/>
+          </a:prstGeom>
+          <a:ln w="76200"/>
+        </p:spPr>
+        <p:style>
+          <a:lnRef idx="1">
+            <a:schemeClr val="accent1"/>
+          </a:lnRef>
+          <a:fillRef idx="0">
+            <a:schemeClr val="accent1"/>
+          </a:fillRef>
+          <a:effectRef idx="0">
+            <a:schemeClr val="accent1"/>
+          </a:effectRef>
+          <a:fontRef idx="minor">
+            <a:schemeClr val="tx1"/>
+          </a:fontRef>
+        </p:style>
+      </p:cxnSp>
+      <p:sp>
+        <p:nvSpPr>
+          <p:cNvPr id="5" name="TextBox 4">
+            <a:extLst>
+              <a:ext uri="{FF2B5EF4-FFF2-40B4-BE49-F238E27FC236}">
+                <a16:creationId xmlns:a16="http://schemas.microsoft.com/office/drawing/2014/main" id="{804E3A24-9592-4F32-958C-2726F7AC2151}"/>
+              </a:ext>
+            </a:extLst>
+          </p:cNvPr>
+          <p:cNvSpPr txBox="1"/>
+          <p:nvPr/>
+        </p:nvSpPr>
+        <p:spPr>
+          <a:xfrm>
+            <a:off x="755073" y="1636229"/>
+            <a:ext cx="10515595" cy="646331"/>
+          </a:xfrm>
+          <a:prstGeom prst="rect">
+            <a:avLst/>
+          </a:prstGeom>
+          <a:noFill/>
+        </p:spPr>
+        <p:txBody>
+          <a:bodyPr wrap="square" rtlCol="0">
+            <a:spAutoFit/>
+          </a:bodyPr>
+          <a:lstStyle/>
+          <a:p>
+            <a:r>
+              <a:rPr lang="en-US" dirty="0"/>
+              <a:t>Take </a:t>
+            </a:r>
+            <a:r>
+              <a:rPr lang="en-US" i="1" dirty="0"/>
+              <a:t>Jigsaw puzzle reassembly</a:t>
+            </a:r>
+            <a:r>
+              <a:rPr lang="en-US" dirty="0"/>
+              <a:t> as examples: you need to have background </a:t>
+            </a:r>
+            <a:r>
+              <a:rPr lang="en-US" b="1" dirty="0"/>
+              <a:t>knowledge of cars</a:t>
+            </a:r>
+            <a:r>
+              <a:rPr lang="en-US" dirty="0"/>
+              <a:t>, to </a:t>
+            </a:r>
+            <a:r>
+              <a:rPr lang="en-US" b="1" dirty="0"/>
+              <a:t>recognize</a:t>
+            </a:r>
+            <a:r>
+              <a:rPr lang="en-US" dirty="0"/>
+              <a:t> each piece as part of the car, and put them into the correct </a:t>
+            </a:r>
+            <a:r>
+              <a:rPr lang="en-US" b="1" dirty="0"/>
+              <a:t>order</a:t>
+            </a:r>
+            <a:r>
+              <a:rPr lang="en-US" dirty="0"/>
+              <a:t>.</a:t>
+            </a:r>
+          </a:p>
+        </p:txBody>
+      </p:sp>
+      <p:sp>
+        <p:nvSpPr>
+          <p:cNvPr id="14" name="TextBox 13">
+            <a:extLst>
+              <a:ext uri="{FF2B5EF4-FFF2-40B4-BE49-F238E27FC236}">
+                <a16:creationId xmlns:a16="http://schemas.microsoft.com/office/drawing/2014/main" id="{69A86780-4036-48AC-B6C9-A294D4482A73}"/>
+              </a:ext>
+            </a:extLst>
+          </p:cNvPr>
+          <p:cNvSpPr txBox="1"/>
+          <p:nvPr/>
+        </p:nvSpPr>
+        <p:spPr>
+          <a:xfrm>
+            <a:off x="8966489" y="6267016"/>
+            <a:ext cx="2387311" cy="276999"/>
+          </a:xfrm>
+          <a:prstGeom prst="rect">
+            <a:avLst/>
+          </a:prstGeom>
+          <a:noFill/>
+        </p:spPr>
+        <p:txBody>
+          <a:bodyPr wrap="square">
+            <a:spAutoFit/>
+          </a:bodyPr>
+          <a:lstStyle/>
+          <a:p>
+            <a:r>
+              <a:rPr lang="en-US" sz="1200" dirty="0"/>
+              <a:t>https://arxiv.org/abs/1603.09246</a:t>
+            </a:r>
+          </a:p>
+        </p:txBody>
+      </p:sp>
     </p:spTree>
     <p:extLst>
       <p:ext uri="{BB962C8B-B14F-4D97-AF65-F5344CB8AC3E}">
